--- a/Lection_7_Check-lists&Test_Design.pptx
+++ b/Lection_7_Check-lists&Test_Design.pptx
@@ -1,41 +1,41 @@
 
 <file path=ppt/presentation.xml><?xml version="1.0" encoding="utf-8"?>
-<p:presentation xmlns:a="http://schemas.openxmlformats.org/drawingml/2006/main" xmlns:r="http://schemas.openxmlformats.org/officeDocument/2006/relationships" xmlns:p="http://schemas.openxmlformats.org/presentationml/2006/main" saveSubsetFonts="1">
+<p:presentation xmlns:a="http://schemas.openxmlformats.org/drawingml/2006/main" xmlns:r="http://schemas.openxmlformats.org/officeDocument/2006/relationships" xmlns:p="http://schemas.openxmlformats.org/presentationml/2006/main">
   <p:sldMasterIdLst>
-    <p:sldMasterId id="2147483746" r:id="rId1"/>
+    <p:sldMasterId id="2147483648" r:id="rId1"/>
   </p:sldMasterIdLst>
   <p:notesMasterIdLst>
-    <p:notesMasterId r:id="rId21"/>
+    <p:notesMasterId r:id="rId22"/>
   </p:notesMasterIdLst>
   <p:handoutMasterIdLst>
-    <p:handoutMasterId r:id="rId22"/>
+    <p:handoutMasterId r:id="rId23"/>
   </p:handoutMasterIdLst>
   <p:sldIdLst>
-    <p:sldId id="257" r:id="rId2"/>
-    <p:sldId id="258" r:id="rId3"/>
-    <p:sldId id="259" r:id="rId4"/>
-    <p:sldId id="276" r:id="rId5"/>
-    <p:sldId id="260" r:id="rId6"/>
-    <p:sldId id="261" r:id="rId7"/>
-    <p:sldId id="262" r:id="rId8"/>
-    <p:sldId id="277" r:id="rId9"/>
-    <p:sldId id="263" r:id="rId10"/>
-    <p:sldId id="268" r:id="rId11"/>
-    <p:sldId id="271" r:id="rId12"/>
-    <p:sldId id="264" r:id="rId13"/>
-    <p:sldId id="266" r:id="rId14"/>
-    <p:sldId id="267" r:id="rId15"/>
-    <p:sldId id="269" r:id="rId16"/>
-    <p:sldId id="270" r:id="rId17"/>
-    <p:sldId id="272" r:id="rId18"/>
-    <p:sldId id="274" r:id="rId19"/>
-    <p:sldId id="275" r:id="rId20"/>
+    <p:sldId id="257" r:id="rId3"/>
+    <p:sldId id="258" r:id="rId4"/>
+    <p:sldId id="259" r:id="rId5"/>
+    <p:sldId id="276" r:id="rId6"/>
+    <p:sldId id="260" r:id="rId7"/>
+    <p:sldId id="261" r:id="rId8"/>
+    <p:sldId id="262" r:id="rId9"/>
+    <p:sldId id="277" r:id="rId10"/>
+    <p:sldId id="263" r:id="rId11"/>
+    <p:sldId id="268" r:id="rId12"/>
+    <p:sldId id="271" r:id="rId13"/>
+    <p:sldId id="264" r:id="rId14"/>
+    <p:sldId id="266" r:id="rId15"/>
+    <p:sldId id="267" r:id="rId16"/>
+    <p:sldId id="269" r:id="rId17"/>
+    <p:sldId id="270" r:id="rId18"/>
+    <p:sldId id="272" r:id="rId19"/>
+    <p:sldId id="274" r:id="rId20"/>
+    <p:sldId id="275" r:id="rId21"/>
   </p:sldIdLst>
   <p:sldSz cx="12192000" cy="6858000"/>
   <p:notesSz cx="6858000" cy="9144000"/>
   <p:defaultTextStyle>
     <a:defPPr rtl="0">
-      <a:defRPr lang="ru-ru"/>
+      <a:defRPr lang="en-US"/>
     </a:defPPr>
     <a:lvl1pPr marL="0" algn="l" defTabSz="914400" rtl="0" eaLnBrk="1" latinLnBrk="0" hangingPunct="1">
       <a:defRPr sz="1800" kern="1200">
@@ -128,14 +128,6 @@
       </a:defRPr>
     </a:lvl9pPr>
   </p:defaultTextStyle>
-  <p:extLst>
-    <p:ext uri="{EFAFB233-063F-42B5-8137-9DF3F51BA10A}">
-      <p15:sldGuideLst xmlns:p15="http://schemas.microsoft.com/office/powerpoint/2012/main"/>
-    </p:ext>
-    <p:ext uri="{2D200454-40CA-4A62-9FC3-DE9A4176ACB9}">
-      <p15:notesGuideLst xmlns:p15="http://schemas.microsoft.com/office/powerpoint/2012/main"/>
-    </p:ext>
-  </p:extLst>
 </p:presentation>
 </file>
 
@@ -223,7 +215,6 @@
             <a:pPr rtl="0"/>
             <a:fld id="{1E51D080-0FA4-452C-BE9C-57B885F95115}" type="datetime1">
               <a:rPr lang="ru-RU" smtClean="0"/>
-              <a:t>03.05.2022</a:t>
             </a:fld>
             <a:endParaRPr lang="en-US" dirty="0"/>
           </a:p>
@@ -291,18 +282,12 @@
             <a:pPr rtl="0"/>
             <a:fld id="{ED92CB86-0DB9-4A70-B1CF-B23508471F6B}" type="slidenum">
               <a:rPr lang="en-US" smtClean="0"/>
-              <a:t>‹#›</a:t>
             </a:fld>
             <a:endParaRPr lang="en-US"/>
           </a:p>
         </p:txBody>
       </p:sp>
     </p:spTree>
-    <p:extLst>
-      <p:ext uri="{BB962C8B-B14F-4D97-AF65-F5344CB8AC3E}">
-        <p14:creationId xmlns:p14="http://schemas.microsoft.com/office/powerpoint/2010/main" val="663557642"/>
-      </p:ext>
-    </p:extLst>
   </p:cSld>
   <p:clrMap bg1="lt1" tx1="dk1" bg2="lt2" tx2="dk2" accent1="accent1" accent2="accent2" accent3="accent3" accent4="accent4" accent5="accent5" accent6="accent6" hlink="hlink" folHlink="folHlink"/>
   <p:hf hdr="0" ftr="0"/>
@@ -393,7 +378,6 @@
             <a:pPr rtl="0"/>
             <a:fld id="{A68A2903-BD5A-4833-B0CA-AB5B8165171B}" type="datetime1">
               <a:rPr lang="ru-RU" smtClean="0"/>
-              <a:t>03.05.2022</a:t>
             </a:fld>
             <a:endParaRPr lang="en-US"/>
           </a:p>
@@ -458,7 +442,7 @@
           <a:p>
             <a:pPr lvl="0" rtl="0"/>
             <a:r>
-              <a:rPr lang="ru"/>
+              <a:rPr lang="en-US"/>
               <a:t>Щелкните, чтобы изменить стили текста образца слайда</a:t>
             </a:r>
             <a:endParaRPr lang="en-US"/>
@@ -466,28 +450,31 @@
           <a:p>
             <a:pPr lvl="1" rtl="0"/>
             <a:r>
-              <a:rPr lang="ru"/>
+              <a:rPr lang="en-US"/>
               <a:t>Второй уровень</a:t>
             </a:r>
+            <a:endParaRPr lang="en-US"/>
           </a:p>
           <a:p>
             <a:pPr lvl="2" rtl="0"/>
             <a:r>
-              <a:rPr lang="ru"/>
+              <a:rPr lang="en-US"/>
               <a:t>Третий уровень</a:t>
             </a:r>
+            <a:endParaRPr lang="en-US"/>
           </a:p>
           <a:p>
             <a:pPr lvl="3" rtl="0"/>
             <a:r>
-              <a:rPr lang="ru"/>
+              <a:rPr lang="en-US"/>
               <a:t>Четвертый уровень</a:t>
             </a:r>
+            <a:endParaRPr lang="en-US"/>
           </a:p>
           <a:p>
             <a:pPr lvl="4" rtl="0"/>
             <a:r>
-              <a:rPr lang="ru"/>
+              <a:rPr lang="en-US"/>
               <a:t>Пятый уровень</a:t>
             </a:r>
             <a:endParaRPr lang="en-US"/>
@@ -556,18 +543,12 @@
             <a:pPr rtl="0"/>
             <a:fld id="{9C2B151B-D7D1-48E5-8230-5AADBC794F88}" type="slidenum">
               <a:rPr lang="en-US" smtClean="0"/>
-              <a:t>‹#›</a:t>
             </a:fld>
             <a:endParaRPr lang="en-US"/>
           </a:p>
         </p:txBody>
       </p:sp>
     </p:spTree>
-    <p:extLst>
-      <p:ext uri="{BB962C8B-B14F-4D97-AF65-F5344CB8AC3E}">
-        <p14:creationId xmlns:p14="http://schemas.microsoft.com/office/powerpoint/2010/main" val="313859278"/>
-      </p:ext>
-    </p:extLst>
   </p:cSld>
   <p:clrMap bg1="lt1" tx1="dk1" bg2="lt2" tx2="dk2" accent1="accent1" accent2="accent2" accent3="accent3" accent4="accent4" accent5="accent5" accent6="accent6" hlink="hlink" folHlink="folHlink"/>
   <p:hf hdr="0" ftr="0"/>
@@ -667,7 +648,7 @@
 </file>
 
 <file path=ppt/slideLayouts/slideLayout1.xml><?xml version="1.0" encoding="utf-8"?>
-<p:sldLayout xmlns:a="http://schemas.openxmlformats.org/drawingml/2006/main" xmlns:r="http://schemas.openxmlformats.org/officeDocument/2006/relationships" xmlns:p="http://schemas.openxmlformats.org/presentationml/2006/main" showMasterSp="0" type="title" preserve="1">
+<p:sldLayout xmlns:a="http://schemas.openxmlformats.org/drawingml/2006/main" xmlns:r="http://schemas.openxmlformats.org/officeDocument/2006/relationships" xmlns:p="http://schemas.openxmlformats.org/presentationml/2006/main" type="title" preserve="1" showMasterSp="0">
   <p:cSld name="Титульный слайд">
     <p:spTree>
       <p:nvGrpSpPr>
@@ -685,13 +666,7 @@
       </p:grpSpPr>
       <p:sp>
         <p:nvSpPr>
-          <p:cNvPr id="10" name="Прямоугольник 9">
-            <a:extLst>
-              <a:ext uri="{FF2B5EF4-FFF2-40B4-BE49-F238E27FC236}">
-                <a16:creationId xmlns:a16="http://schemas.microsoft.com/office/drawing/2014/main" id="{39E3965E-AC41-4711-9D10-E25ABB132D86}"/>
-              </a:ext>
-            </a:extLst>
-          </p:cNvPr>
+          <p:cNvPr id="10" name="Прямоугольник 9"/>
           <p:cNvSpPr/>
           <p:nvPr/>
         </p:nvSpPr>
@@ -848,13 +823,7 @@
       </p:sp>
       <p:cxnSp>
         <p:nvCxnSpPr>
-          <p:cNvPr id="9" name="Прямая соединительная линия 8">
-            <a:extLst>
-              <a:ext uri="{FF2B5EF4-FFF2-40B4-BE49-F238E27FC236}">
-                <a16:creationId xmlns:a16="http://schemas.microsoft.com/office/drawing/2014/main" id="{1F5DC8C3-BA5F-4EED-BB9A-A14272BD82A1}"/>
-              </a:ext>
-            </a:extLst>
-          </p:cNvPr>
+          <p:cNvPr id="9" name="Прямая соединительная линия 8"/>
           <p:cNvCxnSpPr/>
           <p:nvPr/>
         </p:nvCxnSpPr>
@@ -892,13 +861,7 @@
       </p:cxnSp>
       <p:sp>
         <p:nvSpPr>
-          <p:cNvPr id="4" name="Дата 3">
-            <a:extLst>
-              <a:ext uri="{FF2B5EF4-FFF2-40B4-BE49-F238E27FC236}">
-                <a16:creationId xmlns:a16="http://schemas.microsoft.com/office/drawing/2014/main" id="{9925CCF1-92C0-4AF3-BFAF-4921631915AB}"/>
-              </a:ext>
-            </a:extLst>
-          </p:cNvPr>
+          <p:cNvPr id="4" name="Дата 3"/>
           <p:cNvSpPr>
             <a:spLocks noGrp="1"/>
           </p:cNvSpPr>
@@ -914,7 +877,6 @@
             <a:pPr rtl="0"/>
             <a:fld id="{8D4DAEB3-2211-4CA3-9D23-0143FCF3926F}" type="datetime1">
               <a:rPr lang="ru-RU" smtClean="0"/>
-              <a:t>03.05.2022</a:t>
             </a:fld>
             <a:endParaRPr lang="en-US" dirty="0"/>
           </a:p>
@@ -922,13 +884,7 @@
       </p:sp>
       <p:sp>
         <p:nvSpPr>
-          <p:cNvPr id="5" name="Нижний колонтитул 4">
-            <a:extLst>
-              <a:ext uri="{FF2B5EF4-FFF2-40B4-BE49-F238E27FC236}">
-                <a16:creationId xmlns:a16="http://schemas.microsoft.com/office/drawing/2014/main" id="{051A78A9-3DFF-4937-A9F2-5D8CF495F367}"/>
-              </a:ext>
-            </a:extLst>
-          </p:cNvPr>
+          <p:cNvPr id="5" name="Нижний колонтитул 4"/>
           <p:cNvSpPr>
             <a:spLocks noGrp="1"/>
           </p:cNvSpPr>
@@ -948,13 +904,7 @@
       </p:sp>
       <p:sp>
         <p:nvSpPr>
-          <p:cNvPr id="6" name="Номер слайда 5">
-            <a:extLst>
-              <a:ext uri="{FF2B5EF4-FFF2-40B4-BE49-F238E27FC236}">
-                <a16:creationId xmlns:a16="http://schemas.microsoft.com/office/drawing/2014/main" id="{5FAEB271-5CC0-4759-BC6E-8BE53AB227C0}"/>
-              </a:ext>
-            </a:extLst>
-          </p:cNvPr>
+          <p:cNvPr id="6" name="Номер слайда 5"/>
           <p:cNvSpPr>
             <a:spLocks noGrp="1"/>
           </p:cNvSpPr>
@@ -970,18 +920,12 @@
             <a:pPr rtl="0"/>
             <a:fld id="{3A98EE3D-8CD1-4C3F-BD1C-C98C9596463C}" type="slidenum">
               <a:rPr lang="en-US" smtClean="0"/>
-              <a:t>‹#›</a:t>
             </a:fld>
             <a:endParaRPr lang="en-US" dirty="0"/>
           </a:p>
         </p:txBody>
       </p:sp>
     </p:spTree>
-    <p:extLst>
-      <p:ext uri="{BB962C8B-B14F-4D97-AF65-F5344CB8AC3E}">
-        <p14:creationId xmlns:p14="http://schemas.microsoft.com/office/powerpoint/2010/main" val="4258331492"/>
-      </p:ext>
-    </p:extLst>
   </p:cSld>
   <p:clrMapOvr>
     <a:masterClrMapping/>
@@ -1050,6 +994,7 @@
               <a:rPr lang="ru-RU"/>
               <a:t>Образец текста</a:t>
             </a:r>
+            <a:endParaRPr lang="ru-RU"/>
           </a:p>
           <a:p>
             <a:pPr lvl="1" rtl="0"/>
@@ -1057,6 +1002,7 @@
               <a:rPr lang="ru-RU"/>
               <a:t>Второй уровень</a:t>
             </a:r>
+            <a:endParaRPr lang="ru-RU"/>
           </a:p>
           <a:p>
             <a:pPr lvl="2" rtl="0"/>
@@ -1064,6 +1010,7 @@
               <a:rPr lang="ru-RU"/>
               <a:t>Третий уровень</a:t>
             </a:r>
+            <a:endParaRPr lang="ru-RU"/>
           </a:p>
           <a:p>
             <a:pPr lvl="3" rtl="0"/>
@@ -1071,6 +1018,7 @@
               <a:rPr lang="ru-RU"/>
               <a:t>Четвертый уровень</a:t>
             </a:r>
+            <a:endParaRPr lang="ru-RU"/>
           </a:p>
           <a:p>
             <a:pPr lvl="4" rtl="0"/>
@@ -1084,13 +1032,7 @@
       </p:sp>
       <p:sp>
         <p:nvSpPr>
-          <p:cNvPr id="7" name="Дата 6">
-            <a:extLst>
-              <a:ext uri="{FF2B5EF4-FFF2-40B4-BE49-F238E27FC236}">
-                <a16:creationId xmlns:a16="http://schemas.microsoft.com/office/drawing/2014/main" id="{7D5506EE-1026-4F35-9ACC-BD05BE0F9B36}"/>
-              </a:ext>
-            </a:extLst>
-          </p:cNvPr>
+          <p:cNvPr id="7" name="Дата 6"/>
           <p:cNvSpPr>
             <a:spLocks noGrp="1"/>
           </p:cNvSpPr>
@@ -1106,7 +1048,6 @@
             <a:pPr rtl="0"/>
             <a:fld id="{A82E9B35-0826-45CC-9C2C-707B22DFAA83}" type="datetime1">
               <a:rPr lang="ru-RU" smtClean="0"/>
-              <a:t>03.05.2022</a:t>
             </a:fld>
             <a:endParaRPr lang="en-US" dirty="0"/>
           </a:p>
@@ -1114,13 +1055,7 @@
       </p:sp>
       <p:sp>
         <p:nvSpPr>
-          <p:cNvPr id="8" name="Нижний колонтитул 7">
-            <a:extLst>
-              <a:ext uri="{FF2B5EF4-FFF2-40B4-BE49-F238E27FC236}">
-                <a16:creationId xmlns:a16="http://schemas.microsoft.com/office/drawing/2014/main" id="{B7696E5F-8D95-4450-AE52-5438E6EDE2BF}"/>
-              </a:ext>
-            </a:extLst>
-          </p:cNvPr>
+          <p:cNvPr id="8" name="Нижний колонтитул 7"/>
           <p:cNvSpPr>
             <a:spLocks noGrp="1"/>
           </p:cNvSpPr>
@@ -1140,13 +1075,7 @@
       </p:sp>
       <p:sp>
         <p:nvSpPr>
-          <p:cNvPr id="9" name="Номер слайда 8">
-            <a:extLst>
-              <a:ext uri="{FF2B5EF4-FFF2-40B4-BE49-F238E27FC236}">
-                <a16:creationId xmlns:a16="http://schemas.microsoft.com/office/drawing/2014/main" id="{999B2253-74CC-409E-BEB0-F8EFCFCB5629}"/>
-              </a:ext>
-            </a:extLst>
-          </p:cNvPr>
+          <p:cNvPr id="9" name="Номер слайда 8"/>
           <p:cNvSpPr>
             <a:spLocks noGrp="1"/>
           </p:cNvSpPr>
@@ -1162,18 +1091,12 @@
             <a:pPr rtl="0"/>
             <a:fld id="{3A98EE3D-8CD1-4C3F-BD1C-C98C9596463C}" type="slidenum">
               <a:rPr lang="en-US" smtClean="0"/>
-              <a:t>‹#›</a:t>
             </a:fld>
             <a:endParaRPr lang="en-US" dirty="0"/>
           </a:p>
         </p:txBody>
       </p:sp>
     </p:spTree>
-    <p:extLst>
-      <p:ext uri="{BB962C8B-B14F-4D97-AF65-F5344CB8AC3E}">
-        <p14:creationId xmlns:p14="http://schemas.microsoft.com/office/powerpoint/2010/main" val="1672269861"/>
-      </p:ext>
-    </p:extLst>
   </p:cSld>
   <p:clrMapOvr>
     <a:masterClrMapping/>
@@ -1182,7 +1105,7 @@
 </file>
 
 <file path=ppt/slideLayouts/slideLayout11.xml><?xml version="1.0" encoding="utf-8"?>
-<p:sldLayout xmlns:a="http://schemas.openxmlformats.org/drawingml/2006/main" xmlns:r="http://schemas.openxmlformats.org/officeDocument/2006/relationships" xmlns:p="http://schemas.openxmlformats.org/presentationml/2006/main" showMasterSp="0" type="vertTitleAndTx" preserve="1">
+<p:sldLayout xmlns:a="http://schemas.openxmlformats.org/drawingml/2006/main" xmlns:r="http://schemas.openxmlformats.org/officeDocument/2006/relationships" xmlns:p="http://schemas.openxmlformats.org/presentationml/2006/main" type="vertTitleAndTx" preserve="1" showMasterSp="0">
   <p:cSld name="Вертикальный заголовок и текст">
     <p:spTree>
       <p:nvGrpSpPr>
@@ -1200,13 +1123,7 @@
       </p:grpSpPr>
       <p:sp>
         <p:nvSpPr>
-          <p:cNvPr id="9" name="Прямоугольник 8">
-            <a:extLst>
-              <a:ext uri="{FF2B5EF4-FFF2-40B4-BE49-F238E27FC236}">
-                <a16:creationId xmlns:a16="http://schemas.microsoft.com/office/drawing/2014/main" id="{E1B68A5B-D9FA-424B-A4EB-30E7223836B3}"/>
-              </a:ext>
-            </a:extLst>
-          </p:cNvPr>
+          <p:cNvPr id="9" name="Прямоугольник 8"/>
           <p:cNvSpPr/>
           <p:nvPr/>
         </p:nvSpPr>
@@ -1296,6 +1213,7 @@
               <a:rPr lang="ru-RU"/>
               <a:t>Образец текста</a:t>
             </a:r>
+            <a:endParaRPr lang="ru-RU"/>
           </a:p>
           <a:p>
             <a:pPr lvl="1" rtl="0"/>
@@ -1303,6 +1221,7 @@
               <a:rPr lang="ru-RU"/>
               <a:t>Второй уровень</a:t>
             </a:r>
+            <a:endParaRPr lang="ru-RU"/>
           </a:p>
           <a:p>
             <a:pPr lvl="2" rtl="0"/>
@@ -1310,6 +1229,7 @@
               <a:rPr lang="ru-RU"/>
               <a:t>Третий уровень</a:t>
             </a:r>
+            <a:endParaRPr lang="ru-RU"/>
           </a:p>
           <a:p>
             <a:pPr lvl="3" rtl="0"/>
@@ -1317,6 +1237,7 @@
               <a:rPr lang="ru-RU"/>
               <a:t>Четвертый уровень</a:t>
             </a:r>
+            <a:endParaRPr lang="ru-RU"/>
           </a:p>
           <a:p>
             <a:pPr lvl="4" rtl="0"/>
@@ -1330,13 +1251,7 @@
       </p:sp>
       <p:sp>
         <p:nvSpPr>
-          <p:cNvPr id="7" name="Дата 6">
-            <a:extLst>
-              <a:ext uri="{FF2B5EF4-FFF2-40B4-BE49-F238E27FC236}">
-                <a16:creationId xmlns:a16="http://schemas.microsoft.com/office/drawing/2014/main" id="{AF33D6B0-F070-45C4-A472-19F432BE3932}"/>
-              </a:ext>
-            </a:extLst>
-          </p:cNvPr>
+          <p:cNvPr id="7" name="Дата 6"/>
           <p:cNvSpPr>
             <a:spLocks noGrp="1"/>
           </p:cNvSpPr>
@@ -1352,7 +1267,6 @@
             <a:pPr rtl="0"/>
             <a:fld id="{74C0063D-EDF2-4190-A726-B9B651F864E7}" type="datetime1">
               <a:rPr lang="ru-RU" smtClean="0"/>
-              <a:t>03.05.2022</a:t>
             </a:fld>
             <a:endParaRPr lang="en-US" dirty="0"/>
           </a:p>
@@ -1360,13 +1274,7 @@
       </p:sp>
       <p:sp>
         <p:nvSpPr>
-          <p:cNvPr id="8" name="Нижний колонтитул 7">
-            <a:extLst>
-              <a:ext uri="{FF2B5EF4-FFF2-40B4-BE49-F238E27FC236}">
-                <a16:creationId xmlns:a16="http://schemas.microsoft.com/office/drawing/2014/main" id="{9975399F-DAB2-410D-967F-ED17E6F796E7}"/>
-              </a:ext>
-            </a:extLst>
-          </p:cNvPr>
+          <p:cNvPr id="8" name="Нижний колонтитул 7"/>
           <p:cNvSpPr>
             <a:spLocks noGrp="1"/>
           </p:cNvSpPr>
@@ -1386,13 +1294,7 @@
       </p:sp>
       <p:sp>
         <p:nvSpPr>
-          <p:cNvPr id="10" name="Номер слайда 9">
-            <a:extLst>
-              <a:ext uri="{FF2B5EF4-FFF2-40B4-BE49-F238E27FC236}">
-                <a16:creationId xmlns:a16="http://schemas.microsoft.com/office/drawing/2014/main" id="{F762A46F-6BE5-4D12-9412-5CA7672EA8EC}"/>
-              </a:ext>
-            </a:extLst>
-          </p:cNvPr>
+          <p:cNvPr id="10" name="Номер слайда 9"/>
           <p:cNvSpPr>
             <a:spLocks noGrp="1"/>
           </p:cNvSpPr>
@@ -1408,18 +1310,12 @@
             <a:pPr rtl="0"/>
             <a:fld id="{3A98EE3D-8CD1-4C3F-BD1C-C98C9596463C}" type="slidenum">
               <a:rPr lang="en-US" smtClean="0"/>
-              <a:t>‹#›</a:t>
             </a:fld>
             <a:endParaRPr lang="en-US" dirty="0"/>
           </a:p>
         </p:txBody>
       </p:sp>
     </p:spTree>
-    <p:extLst>
-      <p:ext uri="{BB962C8B-B14F-4D97-AF65-F5344CB8AC3E}">
-        <p14:creationId xmlns:p14="http://schemas.microsoft.com/office/powerpoint/2010/main" val="761827292"/>
-      </p:ext>
-    </p:extLst>
   </p:cSld>
   <p:clrMapOvr>
     <a:masterClrMapping/>
@@ -1488,6 +1384,7 @@
               <a:rPr lang="ru-RU"/>
               <a:t>Образец текста</a:t>
             </a:r>
+            <a:endParaRPr lang="ru-RU"/>
           </a:p>
           <a:p>
             <a:pPr lvl="1" rtl="0"/>
@@ -1495,6 +1392,7 @@
               <a:rPr lang="ru-RU"/>
               <a:t>Второй уровень</a:t>
             </a:r>
+            <a:endParaRPr lang="ru-RU"/>
           </a:p>
           <a:p>
             <a:pPr lvl="2" rtl="0"/>
@@ -1502,6 +1400,7 @@
               <a:rPr lang="ru-RU"/>
               <a:t>Третий уровень</a:t>
             </a:r>
+            <a:endParaRPr lang="ru-RU"/>
           </a:p>
           <a:p>
             <a:pPr lvl="3" rtl="0"/>
@@ -1509,6 +1408,7 @@
               <a:rPr lang="ru-RU"/>
               <a:t>Четвертый уровень</a:t>
             </a:r>
+            <a:endParaRPr lang="ru-RU"/>
           </a:p>
           <a:p>
             <a:pPr lvl="4" rtl="0"/>
@@ -1522,13 +1422,7 @@
       </p:sp>
       <p:sp>
         <p:nvSpPr>
-          <p:cNvPr id="7" name="Дата 6">
-            <a:extLst>
-              <a:ext uri="{FF2B5EF4-FFF2-40B4-BE49-F238E27FC236}">
-                <a16:creationId xmlns:a16="http://schemas.microsoft.com/office/drawing/2014/main" id="{354D8B55-9EA8-4B81-8E84-9B93B0A27559}"/>
-              </a:ext>
-            </a:extLst>
-          </p:cNvPr>
+          <p:cNvPr id="7" name="Дата 6"/>
           <p:cNvSpPr>
             <a:spLocks noGrp="1"/>
           </p:cNvSpPr>
@@ -1544,7 +1438,6 @@
             <a:pPr rtl="0"/>
             <a:fld id="{BE289488-0C23-4DC8-A9FA-240659547385}" type="datetime1">
               <a:rPr lang="ru-RU" smtClean="0"/>
-              <a:t>03.05.2022</a:t>
             </a:fld>
             <a:endParaRPr lang="en-US" dirty="0"/>
           </a:p>
@@ -1552,13 +1445,7 @@
       </p:sp>
       <p:sp>
         <p:nvSpPr>
-          <p:cNvPr id="8" name="Нижний колонтитул 7">
-            <a:extLst>
-              <a:ext uri="{FF2B5EF4-FFF2-40B4-BE49-F238E27FC236}">
-                <a16:creationId xmlns:a16="http://schemas.microsoft.com/office/drawing/2014/main" id="{062CA021-2578-47CB-822C-BDDFF7223B28}"/>
-              </a:ext>
-            </a:extLst>
-          </p:cNvPr>
+          <p:cNvPr id="8" name="Нижний колонтитул 7"/>
           <p:cNvSpPr>
             <a:spLocks noGrp="1"/>
           </p:cNvSpPr>
@@ -1578,13 +1465,7 @@
       </p:sp>
       <p:sp>
         <p:nvSpPr>
-          <p:cNvPr id="9" name="Номер слайда 8">
-            <a:extLst>
-              <a:ext uri="{FF2B5EF4-FFF2-40B4-BE49-F238E27FC236}">
-                <a16:creationId xmlns:a16="http://schemas.microsoft.com/office/drawing/2014/main" id="{C4AAB51D-4141-4682-9375-DAFD5FB9DD10}"/>
-              </a:ext>
-            </a:extLst>
-          </p:cNvPr>
+          <p:cNvPr id="9" name="Номер слайда 8"/>
           <p:cNvSpPr>
             <a:spLocks noGrp="1"/>
           </p:cNvSpPr>
@@ -1600,18 +1481,12 @@
             <a:pPr rtl="0"/>
             <a:fld id="{3A98EE3D-8CD1-4C3F-BD1C-C98C9596463C}" type="slidenum">
               <a:rPr lang="en-US" smtClean="0"/>
-              <a:t>‹#›</a:t>
             </a:fld>
             <a:endParaRPr lang="en-US" dirty="0"/>
           </a:p>
         </p:txBody>
       </p:sp>
     </p:spTree>
-    <p:extLst>
-      <p:ext uri="{BB962C8B-B14F-4D97-AF65-F5344CB8AC3E}">
-        <p14:creationId xmlns:p14="http://schemas.microsoft.com/office/powerpoint/2010/main" val="892670607"/>
-      </p:ext>
-    </p:extLst>
   </p:cSld>
   <p:clrMapOvr>
     <a:masterClrMapping/>
@@ -1620,7 +1495,7 @@
 </file>
 
 <file path=ppt/slideLayouts/slideLayout3.xml><?xml version="1.0" encoding="utf-8"?>
-<p:sldLayout xmlns:a="http://schemas.openxmlformats.org/drawingml/2006/main" xmlns:r="http://schemas.openxmlformats.org/officeDocument/2006/relationships" xmlns:p="http://schemas.openxmlformats.org/presentationml/2006/main" showMasterSp="0" type="secHead" preserve="1">
+<p:sldLayout xmlns:a="http://schemas.openxmlformats.org/drawingml/2006/main" xmlns:r="http://schemas.openxmlformats.org/officeDocument/2006/relationships" xmlns:p="http://schemas.openxmlformats.org/presentationml/2006/main" type="secHead" preserve="1" showMasterSp="0">
   <p:cSld name="Заголовок раздела">
     <p:bg>
       <p:bgPr>
@@ -1646,13 +1521,7 @@
       </p:grpSpPr>
       <p:sp>
         <p:nvSpPr>
-          <p:cNvPr id="10" name="Прямоугольник 9">
-            <a:extLst>
-              <a:ext uri="{FF2B5EF4-FFF2-40B4-BE49-F238E27FC236}">
-                <a16:creationId xmlns:a16="http://schemas.microsoft.com/office/drawing/2014/main" id="{A585C21A-8B93-4657-B5DF-7EAEAD3BE127}"/>
-              </a:ext>
-            </a:extLst>
-          </p:cNvPr>
+          <p:cNvPr id="10" name="Прямоугольник 9"/>
           <p:cNvSpPr/>
           <p:nvPr/>
         </p:nvSpPr>
@@ -1851,18 +1720,13 @@
               <a:rPr lang="ru-RU"/>
               <a:t>Образец текста</a:t>
             </a:r>
+            <a:endParaRPr lang="ru-RU"/>
           </a:p>
         </p:txBody>
       </p:sp>
       <p:cxnSp>
         <p:nvCxnSpPr>
-          <p:cNvPr id="9" name="Прямая соединительная линия 8">
-            <a:extLst>
-              <a:ext uri="{FF2B5EF4-FFF2-40B4-BE49-F238E27FC236}">
-                <a16:creationId xmlns:a16="http://schemas.microsoft.com/office/drawing/2014/main" id="{459DE2C1-4C52-40A3-8959-27B2C1BEBFF6}"/>
-              </a:ext>
-            </a:extLst>
-          </p:cNvPr>
+          <p:cNvPr id="9" name="Прямая соединительная линия 8"/>
           <p:cNvCxnSpPr/>
           <p:nvPr/>
         </p:nvCxnSpPr>
@@ -1900,13 +1764,7 @@
       </p:cxnSp>
       <p:sp>
         <p:nvSpPr>
-          <p:cNvPr id="7" name="Дата 6">
-            <a:extLst>
-              <a:ext uri="{FF2B5EF4-FFF2-40B4-BE49-F238E27FC236}">
-                <a16:creationId xmlns:a16="http://schemas.microsoft.com/office/drawing/2014/main" id="{AAF2E137-EC28-48F8-9198-1F02539029B6}"/>
-              </a:ext>
-            </a:extLst>
-          </p:cNvPr>
+          <p:cNvPr id="7" name="Дата 6"/>
           <p:cNvSpPr>
             <a:spLocks noGrp="1"/>
           </p:cNvSpPr>
@@ -1922,7 +1780,6 @@
             <a:pPr rtl="0"/>
             <a:fld id="{33EFA117-2261-4A1D-8BE7-0B7E6A1366C0}" type="datetime1">
               <a:rPr lang="ru-RU" smtClean="0"/>
-              <a:t>03.05.2022</a:t>
             </a:fld>
             <a:endParaRPr lang="en-US" dirty="0"/>
           </a:p>
@@ -1930,13 +1787,7 @@
       </p:sp>
       <p:sp>
         <p:nvSpPr>
-          <p:cNvPr id="8" name="Нижний колонтитул 7">
-            <a:extLst>
-              <a:ext uri="{FF2B5EF4-FFF2-40B4-BE49-F238E27FC236}">
-                <a16:creationId xmlns:a16="http://schemas.microsoft.com/office/drawing/2014/main" id="{189422CD-6F62-4DD6-89EF-07A60B42D219}"/>
-              </a:ext>
-            </a:extLst>
-          </p:cNvPr>
+          <p:cNvPr id="8" name="Нижний колонтитул 7"/>
           <p:cNvSpPr>
             <a:spLocks noGrp="1"/>
           </p:cNvSpPr>
@@ -1956,13 +1807,7 @@
       </p:sp>
       <p:sp>
         <p:nvSpPr>
-          <p:cNvPr id="11" name="Номер слайда 10">
-            <a:extLst>
-              <a:ext uri="{FF2B5EF4-FFF2-40B4-BE49-F238E27FC236}">
-                <a16:creationId xmlns:a16="http://schemas.microsoft.com/office/drawing/2014/main" id="{69C6AFF8-42B4-4D05-969B-9F5FB3355555}"/>
-              </a:ext>
-            </a:extLst>
-          </p:cNvPr>
+          <p:cNvPr id="11" name="Номер слайда 10"/>
           <p:cNvSpPr>
             <a:spLocks noGrp="1"/>
           </p:cNvSpPr>
@@ -1978,18 +1823,12 @@
             <a:pPr rtl="0"/>
             <a:fld id="{3A98EE3D-8CD1-4C3F-BD1C-C98C9596463C}" type="slidenum">
               <a:rPr lang="en-US" smtClean="0"/>
-              <a:t>‹#›</a:t>
             </a:fld>
             <a:endParaRPr lang="en-US" dirty="0"/>
           </a:p>
         </p:txBody>
       </p:sp>
     </p:spTree>
-    <p:extLst>
-      <p:ext uri="{BB962C8B-B14F-4D97-AF65-F5344CB8AC3E}">
-        <p14:creationId xmlns:p14="http://schemas.microsoft.com/office/powerpoint/2010/main" val="3304162564"/>
-      </p:ext>
-    </p:extLst>
   </p:cSld>
   <p:clrMapOvr>
     <a:masterClrMapping/>
@@ -2068,6 +1907,7 @@
               <a:rPr lang="ru-RU"/>
               <a:t>Образец текста</a:t>
             </a:r>
+            <a:endParaRPr lang="ru-RU"/>
           </a:p>
           <a:p>
             <a:pPr lvl="1" rtl="0"/>
@@ -2075,6 +1915,7 @@
               <a:rPr lang="ru-RU"/>
               <a:t>Второй уровень</a:t>
             </a:r>
+            <a:endParaRPr lang="ru-RU"/>
           </a:p>
           <a:p>
             <a:pPr lvl="2" rtl="0"/>
@@ -2082,6 +1923,7 @@
               <a:rPr lang="ru-RU"/>
               <a:t>Третий уровень</a:t>
             </a:r>
+            <a:endParaRPr lang="ru-RU"/>
           </a:p>
           <a:p>
             <a:pPr lvl="3" rtl="0"/>
@@ -2089,6 +1931,7 @@
               <a:rPr lang="ru-RU"/>
               <a:t>Четвертый уровень</a:t>
             </a:r>
+            <a:endParaRPr lang="ru-RU"/>
           </a:p>
           <a:p>
             <a:pPr lvl="4" rtl="0"/>
@@ -2125,6 +1968,7 @@
               <a:rPr lang="ru-RU"/>
               <a:t>Образец текста</a:t>
             </a:r>
+            <a:endParaRPr lang="ru-RU"/>
           </a:p>
           <a:p>
             <a:pPr lvl="1" rtl="0"/>
@@ -2132,6 +1976,7 @@
               <a:rPr lang="ru-RU"/>
               <a:t>Второй уровень</a:t>
             </a:r>
+            <a:endParaRPr lang="ru-RU"/>
           </a:p>
           <a:p>
             <a:pPr lvl="2" rtl="0"/>
@@ -2139,6 +1984,7 @@
               <a:rPr lang="ru-RU"/>
               <a:t>Третий уровень</a:t>
             </a:r>
+            <a:endParaRPr lang="ru-RU"/>
           </a:p>
           <a:p>
             <a:pPr lvl="3" rtl="0"/>
@@ -2146,6 +1992,7 @@
               <a:rPr lang="ru-RU"/>
               <a:t>Четвертый уровень</a:t>
             </a:r>
+            <a:endParaRPr lang="ru-RU"/>
           </a:p>
           <a:p>
             <a:pPr lvl="4" rtl="0"/>
@@ -2159,13 +2006,7 @@
       </p:sp>
       <p:sp>
         <p:nvSpPr>
-          <p:cNvPr id="2" name="Дата 1">
-            <a:extLst>
-              <a:ext uri="{FF2B5EF4-FFF2-40B4-BE49-F238E27FC236}">
-                <a16:creationId xmlns:a16="http://schemas.microsoft.com/office/drawing/2014/main" id="{5782D47D-B0DC-4C40-BCC6-BBBA32584A38}"/>
-              </a:ext>
-            </a:extLst>
-          </p:cNvPr>
+          <p:cNvPr id="2" name="Дата 1"/>
           <p:cNvSpPr>
             <a:spLocks noGrp="1"/>
           </p:cNvSpPr>
@@ -2181,7 +2022,6 @@
             <a:pPr rtl="0"/>
             <a:fld id="{659279E9-B6DA-4AB3-A7CE-B748E56BEA69}" type="datetime1">
               <a:rPr lang="ru-RU" smtClean="0"/>
-              <a:t>03.05.2022</a:t>
             </a:fld>
             <a:endParaRPr lang="en-US" dirty="0"/>
           </a:p>
@@ -2189,13 +2029,7 @@
       </p:sp>
       <p:sp>
         <p:nvSpPr>
-          <p:cNvPr id="9" name="Нижний колонтитул 8">
-            <a:extLst>
-              <a:ext uri="{FF2B5EF4-FFF2-40B4-BE49-F238E27FC236}">
-                <a16:creationId xmlns:a16="http://schemas.microsoft.com/office/drawing/2014/main" id="{4690D34E-7EBD-44B2-83CA-4C126A18D7EF}"/>
-              </a:ext>
-            </a:extLst>
-          </p:cNvPr>
+          <p:cNvPr id="9" name="Нижний колонтитул 8"/>
           <p:cNvSpPr>
             <a:spLocks noGrp="1"/>
           </p:cNvSpPr>
@@ -2215,13 +2049,7 @@
       </p:sp>
       <p:sp>
         <p:nvSpPr>
-          <p:cNvPr id="10" name="Номер слайда 9">
-            <a:extLst>
-              <a:ext uri="{FF2B5EF4-FFF2-40B4-BE49-F238E27FC236}">
-                <a16:creationId xmlns:a16="http://schemas.microsoft.com/office/drawing/2014/main" id="{2AC511A1-9BBD-42DE-92FB-2AF44F8E97A9}"/>
-              </a:ext>
-            </a:extLst>
-          </p:cNvPr>
+          <p:cNvPr id="10" name="Номер слайда 9"/>
           <p:cNvSpPr>
             <a:spLocks noGrp="1"/>
           </p:cNvSpPr>
@@ -2237,18 +2065,12 @@
             <a:pPr rtl="0"/>
             <a:fld id="{3A98EE3D-8CD1-4C3F-BD1C-C98C9596463C}" type="slidenum">
               <a:rPr lang="en-US" smtClean="0"/>
-              <a:t>‹#›</a:t>
             </a:fld>
             <a:endParaRPr lang="en-US" dirty="0"/>
           </a:p>
         </p:txBody>
       </p:sp>
     </p:spTree>
-    <p:extLst>
-      <p:ext uri="{BB962C8B-B14F-4D97-AF65-F5344CB8AC3E}">
-        <p14:creationId xmlns:p14="http://schemas.microsoft.com/office/powerpoint/2010/main" val="4256663047"/>
-      </p:ext>
-    </p:extLst>
   </p:cSld>
   <p:clrMapOvr>
     <a:masterClrMapping/>
@@ -2370,6 +2192,7 @@
               <a:rPr lang="ru-RU"/>
               <a:t>Образец текста</a:t>
             </a:r>
+            <a:endParaRPr lang="ru-RU"/>
           </a:p>
         </p:txBody>
       </p:sp>
@@ -2398,6 +2221,7 @@
               <a:rPr lang="ru-RU"/>
               <a:t>Образец текста</a:t>
             </a:r>
+            <a:endParaRPr lang="ru-RU"/>
           </a:p>
           <a:p>
             <a:pPr lvl="1" rtl="0"/>
@@ -2405,6 +2229,7 @@
               <a:rPr lang="ru-RU"/>
               <a:t>Второй уровень</a:t>
             </a:r>
+            <a:endParaRPr lang="ru-RU"/>
           </a:p>
           <a:p>
             <a:pPr lvl="2" rtl="0"/>
@@ -2412,6 +2237,7 @@
               <a:rPr lang="ru-RU"/>
               <a:t>Третий уровень</a:t>
             </a:r>
+            <a:endParaRPr lang="ru-RU"/>
           </a:p>
           <a:p>
             <a:pPr lvl="3" rtl="0"/>
@@ -2419,6 +2245,7 @@
               <a:rPr lang="ru-RU"/>
               <a:t>Четвертый уровень</a:t>
             </a:r>
+            <a:endParaRPr lang="ru-RU"/>
           </a:p>
           <a:p>
             <a:pPr lvl="4" rtl="0"/>
@@ -2498,6 +2325,7 @@
               <a:rPr lang="ru-RU"/>
               <a:t>Образец текста</a:t>
             </a:r>
+            <a:endParaRPr lang="ru-RU"/>
           </a:p>
         </p:txBody>
       </p:sp>
@@ -2526,6 +2354,7 @@
               <a:rPr lang="ru-RU"/>
               <a:t>Образец текста</a:t>
             </a:r>
+            <a:endParaRPr lang="ru-RU"/>
           </a:p>
           <a:p>
             <a:pPr lvl="1" rtl="0"/>
@@ -2533,6 +2362,7 @@
               <a:rPr lang="ru-RU"/>
               <a:t>Второй уровень</a:t>
             </a:r>
+            <a:endParaRPr lang="ru-RU"/>
           </a:p>
           <a:p>
             <a:pPr lvl="2" rtl="0"/>
@@ -2540,6 +2370,7 @@
               <a:rPr lang="ru-RU"/>
               <a:t>Третий уровень</a:t>
             </a:r>
+            <a:endParaRPr lang="ru-RU"/>
           </a:p>
           <a:p>
             <a:pPr lvl="3" rtl="0"/>
@@ -2547,6 +2378,7 @@
               <a:rPr lang="ru-RU"/>
               <a:t>Четвертый уровень</a:t>
             </a:r>
+            <a:endParaRPr lang="ru-RU"/>
           </a:p>
           <a:p>
             <a:pPr lvl="4" rtl="0"/>
@@ -2560,13 +2392,7 @@
       </p:sp>
       <p:sp>
         <p:nvSpPr>
-          <p:cNvPr id="2" name="Дата 1">
-            <a:extLst>
-              <a:ext uri="{FF2B5EF4-FFF2-40B4-BE49-F238E27FC236}">
-                <a16:creationId xmlns:a16="http://schemas.microsoft.com/office/drawing/2014/main" id="{8AF8A515-AA94-45D1-9223-5C2272618D85}"/>
-              </a:ext>
-            </a:extLst>
-          </p:cNvPr>
+          <p:cNvPr id="2" name="Дата 1"/>
           <p:cNvSpPr>
             <a:spLocks noGrp="1"/>
           </p:cNvSpPr>
@@ -2582,7 +2408,6 @@
             <a:pPr rtl="0"/>
             <a:fld id="{17CF7452-61A3-4CDC-ACAB-74E5B4A7EF57}" type="datetime1">
               <a:rPr lang="ru-RU" smtClean="0"/>
-              <a:t>03.05.2022</a:t>
             </a:fld>
             <a:endParaRPr lang="en-US" dirty="0"/>
           </a:p>
@@ -2590,13 +2415,7 @@
       </p:sp>
       <p:sp>
         <p:nvSpPr>
-          <p:cNvPr id="11" name="Нижний колонтитул 10">
-            <a:extLst>
-              <a:ext uri="{FF2B5EF4-FFF2-40B4-BE49-F238E27FC236}">
-                <a16:creationId xmlns:a16="http://schemas.microsoft.com/office/drawing/2014/main" id="{D052F5BC-98E0-4D60-AD67-9547738B7DD4}"/>
-              </a:ext>
-            </a:extLst>
-          </p:cNvPr>
+          <p:cNvPr id="11" name="Нижний колонтитул 10"/>
           <p:cNvSpPr>
             <a:spLocks noGrp="1"/>
           </p:cNvSpPr>
@@ -2616,13 +2435,7 @@
       </p:sp>
       <p:sp>
         <p:nvSpPr>
-          <p:cNvPr id="12" name="Номер слайда 11">
-            <a:extLst>
-              <a:ext uri="{FF2B5EF4-FFF2-40B4-BE49-F238E27FC236}">
-                <a16:creationId xmlns:a16="http://schemas.microsoft.com/office/drawing/2014/main" id="{A38552DC-952E-41EA-AAAF-C2187523C0B0}"/>
-              </a:ext>
-            </a:extLst>
-          </p:cNvPr>
+          <p:cNvPr id="12" name="Номер слайда 11"/>
           <p:cNvSpPr>
             <a:spLocks noGrp="1"/>
           </p:cNvSpPr>
@@ -2638,18 +2451,12 @@
             <a:pPr rtl="0"/>
             <a:fld id="{3A98EE3D-8CD1-4C3F-BD1C-C98C9596463C}" type="slidenum">
               <a:rPr lang="en-US" smtClean="0"/>
-              <a:t>‹#›</a:t>
             </a:fld>
             <a:endParaRPr lang="en-US" dirty="0"/>
           </a:p>
         </p:txBody>
       </p:sp>
     </p:spTree>
-    <p:extLst>
-      <p:ext uri="{BB962C8B-B14F-4D97-AF65-F5344CB8AC3E}">
-        <p14:creationId xmlns:p14="http://schemas.microsoft.com/office/powerpoint/2010/main" val="3068194699"/>
-      </p:ext>
-    </p:extLst>
   </p:cSld>
   <p:clrMapOvr>
     <a:masterClrMapping/>
@@ -2700,13 +2507,7 @@
       </p:sp>
       <p:sp>
         <p:nvSpPr>
-          <p:cNvPr id="6" name="Дата 5">
-            <a:extLst>
-              <a:ext uri="{FF2B5EF4-FFF2-40B4-BE49-F238E27FC236}">
-                <a16:creationId xmlns:a16="http://schemas.microsoft.com/office/drawing/2014/main" id="{7392073F-158F-44A3-8913-917AFFC1BC20}"/>
-              </a:ext>
-            </a:extLst>
-          </p:cNvPr>
+          <p:cNvPr id="6" name="Дата 5"/>
           <p:cNvSpPr>
             <a:spLocks noGrp="1"/>
           </p:cNvSpPr>
@@ -2722,7 +2523,6 @@
             <a:pPr rtl="0"/>
             <a:fld id="{E4D00952-BE77-47A2-BE29-2226E2D6BB12}" type="datetime1">
               <a:rPr lang="ru-RU" smtClean="0"/>
-              <a:t>03.05.2022</a:t>
             </a:fld>
             <a:endParaRPr lang="en-US" dirty="0"/>
           </a:p>
@@ -2730,13 +2530,7 @@
       </p:sp>
       <p:sp>
         <p:nvSpPr>
-          <p:cNvPr id="7" name="Нижний колонтитул 6">
-            <a:extLst>
-              <a:ext uri="{FF2B5EF4-FFF2-40B4-BE49-F238E27FC236}">
-                <a16:creationId xmlns:a16="http://schemas.microsoft.com/office/drawing/2014/main" id="{EED72207-24CA-42B7-A975-2F8E41CBA904}"/>
-              </a:ext>
-            </a:extLst>
-          </p:cNvPr>
+          <p:cNvPr id="7" name="Нижний колонтитул 6"/>
           <p:cNvSpPr>
             <a:spLocks noGrp="1"/>
           </p:cNvSpPr>
@@ -2756,13 +2550,7 @@
       </p:sp>
       <p:sp>
         <p:nvSpPr>
-          <p:cNvPr id="8" name="Номер слайда 7">
-            <a:extLst>
-              <a:ext uri="{FF2B5EF4-FFF2-40B4-BE49-F238E27FC236}">
-                <a16:creationId xmlns:a16="http://schemas.microsoft.com/office/drawing/2014/main" id="{D01080F2-251A-4B88-9A62-16F46D724F83}"/>
-              </a:ext>
-            </a:extLst>
-          </p:cNvPr>
+          <p:cNvPr id="8" name="Номер слайда 7"/>
           <p:cNvSpPr>
             <a:spLocks noGrp="1"/>
           </p:cNvSpPr>
@@ -2778,18 +2566,12 @@
             <a:pPr rtl="0"/>
             <a:fld id="{3A98EE3D-8CD1-4C3F-BD1C-C98C9596463C}" type="slidenum">
               <a:rPr lang="en-US" smtClean="0"/>
-              <a:t>‹#›</a:t>
             </a:fld>
             <a:endParaRPr lang="en-US" dirty="0"/>
           </a:p>
         </p:txBody>
       </p:sp>
     </p:spTree>
-    <p:extLst>
-      <p:ext uri="{BB962C8B-B14F-4D97-AF65-F5344CB8AC3E}">
-        <p14:creationId xmlns:p14="http://schemas.microsoft.com/office/powerpoint/2010/main" val="811860513"/>
-      </p:ext>
-    </p:extLst>
   </p:cSld>
   <p:clrMapOvr>
     <a:masterClrMapping/>
@@ -2798,7 +2580,7 @@
 </file>
 
 <file path=ppt/slideLayouts/slideLayout7.xml><?xml version="1.0" encoding="utf-8"?>
-<p:sldLayout xmlns:a="http://schemas.openxmlformats.org/drawingml/2006/main" xmlns:r="http://schemas.openxmlformats.org/officeDocument/2006/relationships" xmlns:p="http://schemas.openxmlformats.org/presentationml/2006/main" showMasterSp="0" type="blank" preserve="1">
+<p:sldLayout xmlns:a="http://schemas.openxmlformats.org/drawingml/2006/main" xmlns:r="http://schemas.openxmlformats.org/officeDocument/2006/relationships" xmlns:p="http://schemas.openxmlformats.org/presentationml/2006/main" type="blank" preserve="1" showMasterSp="0">
   <p:cSld name="Пустой слайд">
     <p:spTree>
       <p:nvGrpSpPr>
@@ -2816,13 +2598,7 @@
       </p:grpSpPr>
       <p:sp>
         <p:nvSpPr>
-          <p:cNvPr id="10" name="Прямоугольник 9">
-            <a:extLst>
-              <a:ext uri="{FF2B5EF4-FFF2-40B4-BE49-F238E27FC236}">
-                <a16:creationId xmlns:a16="http://schemas.microsoft.com/office/drawing/2014/main" id="{A8E9C91B-7EAD-4562-AB0E-DFB9663AECE3}"/>
-              </a:ext>
-            </a:extLst>
-          </p:cNvPr>
+          <p:cNvPr id="10" name="Прямоугольник 9"/>
           <p:cNvSpPr/>
           <p:nvPr/>
         </p:nvSpPr>
@@ -2860,13 +2636,7 @@
       </p:sp>
       <p:sp>
         <p:nvSpPr>
-          <p:cNvPr id="2" name="Дата 1">
-            <a:extLst>
-              <a:ext uri="{FF2B5EF4-FFF2-40B4-BE49-F238E27FC236}">
-                <a16:creationId xmlns:a16="http://schemas.microsoft.com/office/drawing/2014/main" id="{94E9223F-721F-47BF-9FD5-0F8D12FF0DE1}"/>
-              </a:ext>
-            </a:extLst>
-          </p:cNvPr>
+          <p:cNvPr id="2" name="Дата 1"/>
           <p:cNvSpPr>
             <a:spLocks noGrp="1"/>
           </p:cNvSpPr>
@@ -2882,7 +2652,6 @@
             <a:pPr rtl="0"/>
             <a:fld id="{14D5EF43-AECB-4459-AE90-3AFB54138C76}" type="datetime1">
               <a:rPr lang="ru-RU" smtClean="0"/>
-              <a:t>03.05.2022</a:t>
             </a:fld>
             <a:endParaRPr lang="en-US" dirty="0"/>
           </a:p>
@@ -2890,13 +2659,7 @@
       </p:sp>
       <p:sp>
         <p:nvSpPr>
-          <p:cNvPr id="3" name="Нижний колонтитул 2">
-            <a:extLst>
-              <a:ext uri="{FF2B5EF4-FFF2-40B4-BE49-F238E27FC236}">
-                <a16:creationId xmlns:a16="http://schemas.microsoft.com/office/drawing/2014/main" id="{05915714-6BBA-4593-8591-4E26F7D58D9F}"/>
-              </a:ext>
-            </a:extLst>
-          </p:cNvPr>
+          <p:cNvPr id="3" name="Нижний колонтитул 2"/>
           <p:cNvSpPr>
             <a:spLocks noGrp="1"/>
           </p:cNvSpPr>
@@ -2916,13 +2679,7 @@
       </p:sp>
       <p:sp>
         <p:nvSpPr>
-          <p:cNvPr id="4" name="Номер слайда 3">
-            <a:extLst>
-              <a:ext uri="{FF2B5EF4-FFF2-40B4-BE49-F238E27FC236}">
-                <a16:creationId xmlns:a16="http://schemas.microsoft.com/office/drawing/2014/main" id="{BE06F857-D2E1-44DD-ABDD-EBB739645B67}"/>
-              </a:ext>
-            </a:extLst>
-          </p:cNvPr>
+          <p:cNvPr id="4" name="Номер слайда 3"/>
           <p:cNvSpPr>
             <a:spLocks noGrp="1"/>
           </p:cNvSpPr>
@@ -2938,18 +2695,12 @@
             <a:pPr rtl="0"/>
             <a:fld id="{3A98EE3D-8CD1-4C3F-BD1C-C98C9596463C}" type="slidenum">
               <a:rPr lang="en-US" smtClean="0"/>
-              <a:t>‹#›</a:t>
             </a:fld>
             <a:endParaRPr lang="en-US" dirty="0"/>
           </a:p>
         </p:txBody>
       </p:sp>
     </p:spTree>
-    <p:extLst>
-      <p:ext uri="{BB962C8B-B14F-4D97-AF65-F5344CB8AC3E}">
-        <p14:creationId xmlns:p14="http://schemas.microsoft.com/office/powerpoint/2010/main" val="2001422672"/>
-      </p:ext>
-    </p:extLst>
   </p:cSld>
   <p:clrMapOvr>
     <a:masterClrMapping/>
@@ -2958,7 +2709,7 @@
 </file>
 
 <file path=ppt/slideLayouts/slideLayout8.xml><?xml version="1.0" encoding="utf-8"?>
-<p:sldLayout xmlns:a="http://schemas.openxmlformats.org/drawingml/2006/main" xmlns:r="http://schemas.openxmlformats.org/officeDocument/2006/relationships" xmlns:p="http://schemas.openxmlformats.org/presentationml/2006/main" showMasterSp="0" type="objTx" preserve="1">
+<p:sldLayout xmlns:a="http://schemas.openxmlformats.org/drawingml/2006/main" xmlns:r="http://schemas.openxmlformats.org/officeDocument/2006/relationships" xmlns:p="http://schemas.openxmlformats.org/presentationml/2006/main" type="objTx" preserve="1" showMasterSp="0">
   <p:cSld name="Объект с подписью">
     <p:spTree>
       <p:nvGrpSpPr>
@@ -2976,13 +2727,7 @@
       </p:grpSpPr>
       <p:sp>
         <p:nvSpPr>
-          <p:cNvPr id="8" name="Прямоугольник 7">
-            <a:extLst>
-              <a:ext uri="{FF2B5EF4-FFF2-40B4-BE49-F238E27FC236}">
-                <a16:creationId xmlns:a16="http://schemas.microsoft.com/office/drawing/2014/main" id="{16D90D66-BCB9-4229-A829-628874352AC0}"/>
-              </a:ext>
-            </a:extLst>
-          </p:cNvPr>
+          <p:cNvPr id="8" name="Прямоугольник 7"/>
           <p:cNvSpPr/>
           <p:nvPr/>
         </p:nvSpPr>
@@ -3085,6 +2830,7 @@
               <a:rPr lang="ru-RU"/>
               <a:t>Образец текста</a:t>
             </a:r>
+            <a:endParaRPr lang="ru-RU"/>
           </a:p>
           <a:p>
             <a:pPr lvl="1" rtl="0"/>
@@ -3092,6 +2838,7 @@
               <a:rPr lang="ru-RU"/>
               <a:t>Второй уровень</a:t>
             </a:r>
+            <a:endParaRPr lang="ru-RU"/>
           </a:p>
           <a:p>
             <a:pPr lvl="2" rtl="0"/>
@@ -3099,6 +2846,7 @@
               <a:rPr lang="ru-RU"/>
               <a:t>Третий уровень</a:t>
             </a:r>
+            <a:endParaRPr lang="ru-RU"/>
           </a:p>
           <a:p>
             <a:pPr lvl="3" rtl="0"/>
@@ -3106,6 +2854,7 @@
               <a:rPr lang="ru-RU"/>
               <a:t>Четвертый уровень</a:t>
             </a:r>
+            <a:endParaRPr lang="ru-RU"/>
           </a:p>
           <a:p>
             <a:pPr lvl="4" rtl="0"/>
@@ -3185,6 +2934,7 @@
               <a:rPr lang="ru-RU"/>
               <a:t>Образец текста</a:t>
             </a:r>
+            <a:endParaRPr lang="ru-RU"/>
           </a:p>
         </p:txBody>
       </p:sp>
@@ -3215,7 +2965,6 @@
             <a:pPr rtl="0"/>
             <a:fld id="{FD0FAC8F-653F-479B-B209-9F30C9091843}" type="datetime1">
               <a:rPr lang="ru-RU" smtClean="0"/>
-              <a:t>03.05.2022</a:t>
             </a:fld>
             <a:endParaRPr lang="en-US" dirty="0"/>
           </a:p>
@@ -3280,19 +3029,12 @@
             <a:pPr rtl="0"/>
             <a:fld id="{3A98EE3D-8CD1-4C3F-BD1C-C98C9596463C}" type="slidenum">
               <a:rPr lang="en-US" smtClean="0"/>
-              <a:pPr/>
-              <a:t>‹#›</a:t>
             </a:fld>
             <a:endParaRPr lang="en-US" dirty="0"/>
           </a:p>
         </p:txBody>
       </p:sp>
     </p:spTree>
-    <p:extLst>
-      <p:ext uri="{BB962C8B-B14F-4D97-AF65-F5344CB8AC3E}">
-        <p14:creationId xmlns:p14="http://schemas.microsoft.com/office/powerpoint/2010/main" val="1933282235"/>
-      </p:ext>
-    </p:extLst>
   </p:cSld>
   <p:clrMapOvr>
     <a:masterClrMapping/>
@@ -3301,7 +3043,7 @@
 </file>
 
 <file path=ppt/slideLayouts/slideLayout9.xml><?xml version="1.0" encoding="utf-8"?>
-<p:sldLayout xmlns:a="http://schemas.openxmlformats.org/drawingml/2006/main" xmlns:r="http://schemas.openxmlformats.org/officeDocument/2006/relationships" xmlns:p="http://schemas.openxmlformats.org/presentationml/2006/main" showMasterSp="0" type="picTx" preserve="1">
+<p:sldLayout xmlns:a="http://schemas.openxmlformats.org/drawingml/2006/main" xmlns:r="http://schemas.openxmlformats.org/officeDocument/2006/relationships" xmlns:p="http://schemas.openxmlformats.org/presentationml/2006/main" type="picTx" preserve="1" showMasterSp="0">
   <p:cSld name="Рисунок с подписью">
     <p:spTree>
       <p:nvGrpSpPr>
@@ -3319,13 +3061,7 @@
       </p:grpSpPr>
       <p:sp>
         <p:nvSpPr>
-          <p:cNvPr id="8" name="Прямоугольник 7">
-            <a:extLst>
-              <a:ext uri="{FF2B5EF4-FFF2-40B4-BE49-F238E27FC236}">
-                <a16:creationId xmlns:a16="http://schemas.microsoft.com/office/drawing/2014/main" id="{DA134939-39C0-4522-A125-A13DFDA66490}"/>
-              </a:ext>
-            </a:extLst>
-          </p:cNvPr>
+          <p:cNvPr id="8" name="Прямоугольник 7"/>
           <p:cNvSpPr/>
           <p:nvPr/>
         </p:nvSpPr>
@@ -3545,6 +3281,7 @@
               <a:rPr lang="ru-RU"/>
               <a:t>Образец текста</a:t>
             </a:r>
+            <a:endParaRPr lang="ru-RU"/>
           </a:p>
         </p:txBody>
       </p:sp>
@@ -3570,7 +3307,6 @@
             <a:pPr rtl="0"/>
             <a:fld id="{36FD9FC9-5FD1-4E3B-B719-212F55599717}" type="datetime1">
               <a:rPr lang="ru-RU" smtClean="0"/>
-              <a:t>03.05.2022</a:t>
             </a:fld>
             <a:endParaRPr lang="en-US" dirty="0"/>
           </a:p>
@@ -3619,18 +3355,12 @@
             <a:pPr rtl="0"/>
             <a:fld id="{3A98EE3D-8CD1-4C3F-BD1C-C98C9596463C}" type="slidenum">
               <a:rPr lang="en-US" smtClean="0"/>
-              <a:t>‹#›</a:t>
             </a:fld>
             <a:endParaRPr lang="en-US" dirty="0"/>
           </a:p>
         </p:txBody>
       </p:sp>
     </p:spTree>
-    <p:extLst>
-      <p:ext uri="{BB962C8B-B14F-4D97-AF65-F5344CB8AC3E}">
-        <p14:creationId xmlns:p14="http://schemas.microsoft.com/office/powerpoint/2010/main" val="523267730"/>
-      </p:ext>
-    </p:extLst>
   </p:cSld>
   <p:clrMapOvr>
     <a:masterClrMapping/>
@@ -3662,13 +3392,7 @@
       </p:grpSpPr>
       <p:sp>
         <p:nvSpPr>
-          <p:cNvPr id="7" name="Прямоугольник 6">
-            <a:extLst>
-              <a:ext uri="{FF2B5EF4-FFF2-40B4-BE49-F238E27FC236}">
-                <a16:creationId xmlns:a16="http://schemas.microsoft.com/office/drawing/2014/main" id="{416A0E3C-60E6-4F39-BC55-5F7C224E1F7C}"/>
-              </a:ext>
-            </a:extLst>
-          </p:cNvPr>
+          <p:cNvPr id="7" name="Прямоугольник 6"/>
           <p:cNvSpPr/>
           <p:nvPr/>
         </p:nvSpPr>
@@ -3731,7 +3455,7 @@
           <a:p>
             <a:pPr rtl="0"/>
             <a:r>
-              <a:rPr lang="ru" dirty="0"/>
+              <a:rPr lang="en-US" dirty="0"/>
               <a:t>Стиль образца заголовка</a:t>
             </a:r>
             <a:endParaRPr lang="en-US" dirty="0"/>
@@ -3765,35 +3489,39 @@
           <a:p>
             <a:pPr lvl="0" rtl="0"/>
             <a:r>
-              <a:rPr lang="ru" dirty="0"/>
+              <a:rPr lang="en-US" dirty="0"/>
               <a:t>Щелкните, чтобы изменить стили текста образца слайда</a:t>
             </a:r>
+            <a:endParaRPr lang="en-US" dirty="0"/>
           </a:p>
           <a:p>
             <a:pPr lvl="1" rtl="0"/>
             <a:r>
-              <a:rPr lang="ru" dirty="0"/>
+              <a:rPr lang="en-US" dirty="0"/>
               <a:t>Второй уровень</a:t>
             </a:r>
+            <a:endParaRPr lang="en-US" dirty="0"/>
           </a:p>
           <a:p>
             <a:pPr lvl="2" rtl="0"/>
             <a:r>
-              <a:rPr lang="ru" dirty="0"/>
+              <a:rPr lang="en-US" dirty="0"/>
               <a:t>Третий уровень</a:t>
             </a:r>
+            <a:endParaRPr lang="en-US" dirty="0"/>
           </a:p>
           <a:p>
             <a:pPr lvl="3" rtl="0"/>
             <a:r>
-              <a:rPr lang="ru" dirty="0"/>
+              <a:rPr lang="en-US" dirty="0"/>
               <a:t>Четвертый уровень</a:t>
             </a:r>
+            <a:endParaRPr lang="en-US" dirty="0"/>
           </a:p>
           <a:p>
             <a:pPr lvl="4" rtl="0"/>
             <a:r>
-              <a:rPr lang="ru" dirty="0"/>
+              <a:rPr lang="en-US" dirty="0"/>
               <a:t>Пятый уровень</a:t>
             </a:r>
             <a:endParaRPr lang="en-US" dirty="0"/>
@@ -3835,7 +3563,6 @@
           <a:p>
             <a:fld id="{428A7F57-8526-4A03-89D8-FFB0245E6649}" type="datetime1">
               <a:rPr lang="ru-RU" smtClean="0"/>
-              <a:t>03.05.2022</a:t>
             </a:fld>
             <a:endParaRPr lang="en-US" dirty="0"/>
           </a:p>
@@ -3913,8 +3640,6 @@
           <a:p>
             <a:fld id="{3A98EE3D-8CD1-4C3F-BD1C-C98C9596463C}" type="slidenum">
               <a:rPr lang="en-US" smtClean="0"/>
-              <a:pPr/>
-              <a:t>‹#›</a:t>
             </a:fld>
             <a:endParaRPr lang="en-US" dirty="0"/>
           </a:p>
@@ -3922,13 +3647,7 @@
       </p:sp>
       <p:cxnSp>
         <p:nvCxnSpPr>
-          <p:cNvPr id="10" name="Прямая соединительная линия 9">
-            <a:extLst>
-              <a:ext uri="{FF2B5EF4-FFF2-40B4-BE49-F238E27FC236}">
-                <a16:creationId xmlns:a16="http://schemas.microsoft.com/office/drawing/2014/main" id="{C5025DAC-8B93-4160-B017-3A274A5828C0}"/>
-              </a:ext>
-            </a:extLst>
-          </p:cNvPr>
+          <p:cNvPr id="10" name="Прямая соединительная линия 9"/>
           <p:cNvCxnSpPr/>
           <p:nvPr/>
         </p:nvCxnSpPr>
@@ -3965,25 +3684,20 @@
         </p:style>
       </p:cxnSp>
     </p:spTree>
-    <p:extLst>
-      <p:ext uri="{BB962C8B-B14F-4D97-AF65-F5344CB8AC3E}">
-        <p14:creationId xmlns:p14="http://schemas.microsoft.com/office/powerpoint/2010/main" val="3034982234"/>
-      </p:ext>
-    </p:extLst>
   </p:cSld>
   <p:clrMap bg1="lt1" tx1="dk1" bg2="lt2" tx2="dk2" accent1="accent1" accent2="accent2" accent3="accent3" accent4="accent4" accent5="accent5" accent6="accent6" hlink="hlink" folHlink="folHlink"/>
   <p:sldLayoutIdLst>
-    <p:sldLayoutId id="2147483748" r:id="rId1"/>
-    <p:sldLayoutId id="2147483749" r:id="rId2"/>
-    <p:sldLayoutId id="2147483747" r:id="rId3"/>
-    <p:sldLayoutId id="2147483743" r:id="rId4"/>
-    <p:sldLayoutId id="2147483738" r:id="rId5"/>
-    <p:sldLayoutId id="2147483732" r:id="rId6"/>
-    <p:sldLayoutId id="2147483733" r:id="rId7"/>
-    <p:sldLayoutId id="2147483734" r:id="rId8"/>
-    <p:sldLayoutId id="2147483735" r:id="rId9"/>
-    <p:sldLayoutId id="2147483736" r:id="rId10"/>
-    <p:sldLayoutId id="2147483737" r:id="rId11"/>
+    <p:sldLayoutId id="2147483649" r:id="rId1"/>
+    <p:sldLayoutId id="2147483650" r:id="rId2"/>
+    <p:sldLayoutId id="2147483651" r:id="rId3"/>
+    <p:sldLayoutId id="2147483652" r:id="rId4"/>
+    <p:sldLayoutId id="2147483653" r:id="rId5"/>
+    <p:sldLayoutId id="2147483654" r:id="rId6"/>
+    <p:sldLayoutId id="2147483655" r:id="rId7"/>
+    <p:sldLayoutId id="2147483656" r:id="rId8"/>
+    <p:sldLayoutId id="2147483657" r:id="rId9"/>
+    <p:sldLayoutId id="2147483658" r:id="rId10"/>
+    <p:sldLayoutId id="2147483659" r:id="rId11"/>
   </p:sldLayoutIdLst>
   <p:hf sldNum="0" hdr="0" ftr="0"/>
   <p:txStyles>
@@ -4038,7 +3752,7 @@
           <a:cs typeface="Calibri" panose="020F0502020204030204" pitchFamily="34" charset="0"/>
         </a:defRPr>
       </a:lvl1pPr>
-      <a:lvl2pPr marL="384048" indent="-182880" algn="l" defTabSz="914400" rtl="0" eaLnBrk="1" latinLnBrk="0" hangingPunct="1">
+      <a:lvl2pPr marL="384175" indent="-182880" algn="l" defTabSz="914400" rtl="0" eaLnBrk="1" latinLnBrk="0" hangingPunct="1">
         <a:lnSpc>
           <a:spcPct val="100000"/>
         </a:lnSpc>
@@ -4049,7 +3763,7 @@
           <a:spcPts val="400"/>
         </a:spcAft>
         <a:buClrTx/>
-        <a:buFont typeface="Calibri" pitchFamily="34" charset="0"/>
+        <a:buFont typeface="Calibri" panose="020F0502020204030204" pitchFamily="34" charset="0"/>
         <a:buChar char="◦"/>
         <a:defRPr sz="1700" kern="1200">
           <a:solidFill>
@@ -4063,7 +3777,7 @@
           <a:cs typeface="Calibri" panose="020F0502020204030204" pitchFamily="34" charset="0"/>
         </a:defRPr>
       </a:lvl2pPr>
-      <a:lvl3pPr marL="566928" indent="-182880" algn="l" defTabSz="914400" rtl="0" eaLnBrk="1" latinLnBrk="0" hangingPunct="1">
+      <a:lvl3pPr marL="567055" indent="-182880" algn="l" defTabSz="914400" rtl="0" eaLnBrk="1" latinLnBrk="0" hangingPunct="1">
         <a:lnSpc>
           <a:spcPct val="100000"/>
         </a:lnSpc>
@@ -4074,7 +3788,7 @@
           <a:spcPts val="400"/>
         </a:spcAft>
         <a:buClrTx/>
-        <a:buFont typeface="Calibri" pitchFamily="34" charset="0"/>
+        <a:buFont typeface="Calibri" panose="020F0502020204030204" pitchFamily="34" charset="0"/>
         <a:buChar char="◦"/>
         <a:defRPr sz="1300" kern="1200">
           <a:solidFill>
@@ -4088,7 +3802,7 @@
           <a:cs typeface="Calibri" panose="020F0502020204030204" pitchFamily="34" charset="0"/>
         </a:defRPr>
       </a:lvl3pPr>
-      <a:lvl4pPr marL="749808" indent="-182880" algn="l" defTabSz="914400" rtl="0" eaLnBrk="1" latinLnBrk="0" hangingPunct="1">
+      <a:lvl4pPr marL="749935" indent="-182880" algn="l" defTabSz="914400" rtl="0" eaLnBrk="1" latinLnBrk="0" hangingPunct="1">
         <a:lnSpc>
           <a:spcPct val="100000"/>
         </a:lnSpc>
@@ -4099,7 +3813,7 @@
           <a:spcPts val="400"/>
         </a:spcAft>
         <a:buClrTx/>
-        <a:buFont typeface="Calibri" pitchFamily="34" charset="0"/>
+        <a:buFont typeface="Calibri" panose="020F0502020204030204" pitchFamily="34" charset="0"/>
         <a:buChar char="◦"/>
         <a:defRPr sz="1300" kern="1200">
           <a:solidFill>
@@ -4113,7 +3827,7 @@
           <a:cs typeface="Calibri" panose="020F0502020204030204" pitchFamily="34" charset="0"/>
         </a:defRPr>
       </a:lvl4pPr>
-      <a:lvl5pPr marL="932688" indent="-182880" algn="l" defTabSz="914400" rtl="0" eaLnBrk="1" latinLnBrk="0" hangingPunct="1">
+      <a:lvl5pPr marL="932815" indent="-182880" algn="l" defTabSz="914400" rtl="0" eaLnBrk="1" latinLnBrk="0" hangingPunct="1">
         <a:lnSpc>
           <a:spcPct val="100000"/>
         </a:lnSpc>
@@ -4124,7 +3838,7 @@
           <a:spcPts val="400"/>
         </a:spcAft>
         <a:buClrTx/>
-        <a:buFont typeface="Calibri" pitchFamily="34" charset="0"/>
+        <a:buFont typeface="Calibri" panose="020F0502020204030204" pitchFamily="34" charset="0"/>
         <a:buChar char="◦"/>
         <a:defRPr sz="1300" kern="1200">
           <a:solidFill>
@@ -4138,7 +3852,7 @@
           <a:cs typeface="Calibri" panose="020F0502020204030204" pitchFamily="34" charset="0"/>
         </a:defRPr>
       </a:lvl5pPr>
-      <a:lvl6pPr marL="1100000" indent="-228600" algn="l" defTabSz="914400" rtl="0" eaLnBrk="1" latinLnBrk="0" hangingPunct="1">
+      <a:lvl6pPr marL="1099820" indent="-228600" algn="l" defTabSz="914400" rtl="0" eaLnBrk="1" latinLnBrk="0" hangingPunct="1">
         <a:lnSpc>
           <a:spcPct val="90000"/>
         </a:lnSpc>
@@ -4151,7 +3865,7 @@
         <a:buClr>
           <a:schemeClr val="accent1"/>
         </a:buClr>
-        <a:buFont typeface="Calibri" pitchFamily="34" charset="0"/>
+        <a:buFont typeface="Calibri" panose="020F0502020204030204" pitchFamily="34" charset="0"/>
         <a:buChar char="◦"/>
         <a:defRPr sz="1400" kern="1200">
           <a:solidFill>
@@ -4165,7 +3879,7 @@
           <a:cs typeface="+mn-cs"/>
         </a:defRPr>
       </a:lvl6pPr>
-      <a:lvl7pPr marL="1300000" indent="-228600" algn="l" defTabSz="914400" rtl="0" eaLnBrk="1" latinLnBrk="0" hangingPunct="1">
+      <a:lvl7pPr marL="1299845" indent="-228600" algn="l" defTabSz="914400" rtl="0" eaLnBrk="1" latinLnBrk="0" hangingPunct="1">
         <a:lnSpc>
           <a:spcPct val="90000"/>
         </a:lnSpc>
@@ -4178,7 +3892,7 @@
         <a:buClr>
           <a:schemeClr val="accent1"/>
         </a:buClr>
-        <a:buFont typeface="Calibri" pitchFamily="34" charset="0"/>
+        <a:buFont typeface="Calibri" panose="020F0502020204030204" pitchFamily="34" charset="0"/>
         <a:buChar char="◦"/>
         <a:defRPr sz="1400" kern="1200">
           <a:solidFill>
@@ -4192,7 +3906,7 @@
           <a:cs typeface="+mn-cs"/>
         </a:defRPr>
       </a:lvl7pPr>
-      <a:lvl8pPr marL="1500000" indent="-228600" algn="l" defTabSz="914400" rtl="0" eaLnBrk="1" latinLnBrk="0" hangingPunct="1">
+      <a:lvl8pPr marL="1499870" indent="-228600" algn="l" defTabSz="914400" rtl="0" eaLnBrk="1" latinLnBrk="0" hangingPunct="1">
         <a:lnSpc>
           <a:spcPct val="90000"/>
         </a:lnSpc>
@@ -4205,7 +3919,7 @@
         <a:buClr>
           <a:schemeClr val="accent1"/>
         </a:buClr>
-        <a:buFont typeface="Calibri" pitchFamily="34" charset="0"/>
+        <a:buFont typeface="Calibri" panose="020F0502020204030204" pitchFamily="34" charset="0"/>
         <a:buChar char="◦"/>
         <a:defRPr sz="1400" kern="1200">
           <a:solidFill>
@@ -4219,7 +3933,7 @@
           <a:cs typeface="+mn-cs"/>
         </a:defRPr>
       </a:lvl8pPr>
-      <a:lvl9pPr marL="1700000" indent="-228600" algn="l" defTabSz="914400" rtl="0" eaLnBrk="1" latinLnBrk="0" hangingPunct="1">
+      <a:lvl9pPr marL="1699895" indent="-228600" algn="l" defTabSz="914400" rtl="0" eaLnBrk="1" latinLnBrk="0" hangingPunct="1">
         <a:lnSpc>
           <a:spcPct val="90000"/>
         </a:lnSpc>
@@ -4232,7 +3946,7 @@
         <a:buClr>
           <a:schemeClr val="accent1"/>
         </a:buClr>
-        <a:buFont typeface="Calibri" pitchFamily="34" charset="0"/>
+        <a:buFont typeface="Calibri" panose="020F0502020204030204" pitchFamily="34" charset="0"/>
         <a:buChar char="◦"/>
         <a:defRPr sz="1400" kern="1200">
           <a:solidFill>
@@ -4373,26 +4087,11 @@
       </p:grpSpPr>
       <p:sp useBgFill="1">
         <p:nvSpPr>
-          <p:cNvPr id="22" name="Прямоугольник 21">
-            <a:extLst>
-              <a:ext uri="{FF2B5EF4-FFF2-40B4-BE49-F238E27FC236}">
-                <a16:creationId xmlns:a16="http://schemas.microsoft.com/office/drawing/2014/main" id="{A9286AD2-18A9-4868-A4E3-7A2097A20810}"/>
-              </a:ext>
-              <a:ext uri="{C183D7F6-B498-43B3-948B-1728B52AA6E4}">
-                <adec:decorative xmlns:adec="http://schemas.microsoft.com/office/drawing/2017/decorative" val="1"/>
-              </a:ext>
-            </a:extLst>
-          </p:cNvPr>
+          <p:cNvPr id="22" name="Прямоугольник 21"/>
           <p:cNvSpPr>
             <a:spLocks noGrp="1" noRot="1" noChangeAspect="1" noMove="1" noResize="1" noEditPoints="1" noAdjustHandles="1" noChangeArrowheads="1" noChangeShapeType="1" noTextEdit="1"/>
           </p:cNvSpPr>
-          <p:nvPr>
-            <p:extLst>
-              <p:ext uri="{386F3935-93C4-4BCD-93E2-E3B085C9AB24}">
-                <p16:designElem xmlns:p16="http://schemas.microsoft.com/office/powerpoint/2015/main" val="1"/>
-              </p:ext>
-            </p:extLst>
-          </p:nvPr>
+          <p:nvPr/>
         </p:nvSpPr>
         <p:spPr>
           <a:xfrm>
@@ -4433,13 +4132,7 @@
       </p:sp>
       <p:sp>
         <p:nvSpPr>
-          <p:cNvPr id="2" name="Заголовок 1">
-            <a:extLst>
-              <a:ext uri="{FF2B5EF4-FFF2-40B4-BE49-F238E27FC236}">
-                <a16:creationId xmlns:a16="http://schemas.microsoft.com/office/drawing/2014/main" id="{78FD68DA-43BA-4508-8DE2-BA9BB7B2FA5B}"/>
-              </a:ext>
-            </a:extLst>
-          </p:cNvPr>
+          <p:cNvPr id="2" name="Заголовок 1"/>
           <p:cNvSpPr>
             <a:spLocks noGrp="1"/>
           </p:cNvSpPr>
@@ -4463,19 +4156,13 @@
               <a:rPr lang="ru-RU" sz="7200" dirty="0"/>
               <a:t>Техники тест-дизайна</a:t>
             </a:r>
-            <a:endParaRPr lang="ru" sz="7200" dirty="0"/>
-          </a:p>
-        </p:txBody>
-      </p:sp>
-      <p:sp>
-        <p:nvSpPr>
-          <p:cNvPr id="3" name="Подзаголовок 2">
-            <a:extLst>
-              <a:ext uri="{FF2B5EF4-FFF2-40B4-BE49-F238E27FC236}">
-                <a16:creationId xmlns:a16="http://schemas.microsoft.com/office/drawing/2014/main" id="{A8E9CFF2-3777-4FF4-A759-8491175B0B7C}"/>
-              </a:ext>
-            </a:extLst>
-          </p:cNvPr>
+            <a:endParaRPr lang="en-US" sz="7200" dirty="0"/>
+          </a:p>
+        </p:txBody>
+      </p:sp>
+      <p:sp>
+        <p:nvSpPr>
+          <p:cNvPr id="3" name="Подзаголовок 2"/>
           <p:cNvSpPr>
             <a:spLocks noGrp="1"/>
           </p:cNvSpPr>
@@ -4507,7 +4194,7 @@
               </a:rPr>
               <a:t>Lection 7</a:t>
             </a:r>
-            <a:endParaRPr lang="ru" sz="2400" dirty="0">
+            <a:endParaRPr lang="en-US" sz="2400" dirty="0">
               <a:solidFill>
                 <a:schemeClr val="tx1">
                   <a:lumMod val="85000"/>
@@ -4520,20 +4207,14 @@
       </p:sp>
       <p:pic>
         <p:nvPicPr>
-          <p:cNvPr id="5" name="Рисунок 4" descr="Изображение здания, места для сидения, скамейки, вид сбоку&#10;&#10;Автоматически созданное описание">
-            <a:extLst>
-              <a:ext uri="{FF2B5EF4-FFF2-40B4-BE49-F238E27FC236}">
-                <a16:creationId xmlns:a16="http://schemas.microsoft.com/office/drawing/2014/main" id="{282CF6DD-7FE8-4063-9551-1B7BBCE92ABE}"/>
-              </a:ext>
-            </a:extLst>
-          </p:cNvPr>
+          <p:cNvPr id="5" name="Рисунок 4" descr="Изображение здания, места для сидения, скамейки, вид сбоку&#10;&#10;Автоматически созданное описание"/>
           <p:cNvPicPr>
             <a:picLocks noChangeAspect="1"/>
           </p:cNvPicPr>
           <p:nvPr/>
         </p:nvPicPr>
         <p:blipFill rotWithShape="1">
-          <a:blip r:embed="rId2">
+          <a:blip r:embed="rId1">
             <a:extLst>
               <a:ext uri="{28A0092B-C50C-407E-A947-70E740481C1C}">
                 <a14:useLocalDpi xmlns:a14="http://schemas.microsoft.com/office/drawing/2010/main" val="0"/>
@@ -4541,7 +4222,9 @@
             </a:extLst>
           </a:blip>
           <a:srcRect/>
-          <a:stretch/>
+          <a:stretch>
+            <a:fillRect/>
+          </a:stretch>
         </p:blipFill>
         <p:spPr>
           <a:xfrm>
@@ -4555,26 +4238,11 @@
       </p:pic>
       <p:cxnSp>
         <p:nvCxnSpPr>
-          <p:cNvPr id="24" name="Прямая соединительная линия 23">
-            <a:extLst>
-              <a:ext uri="{FF2B5EF4-FFF2-40B4-BE49-F238E27FC236}">
-                <a16:creationId xmlns:a16="http://schemas.microsoft.com/office/drawing/2014/main" id="{E7A7CD63-7EC3-44F3-95D0-595C4019FF24}"/>
-              </a:ext>
-              <a:ext uri="{C183D7F6-B498-43B3-948B-1728B52AA6E4}">
-                <adec:decorative xmlns:adec="http://schemas.microsoft.com/office/drawing/2017/decorative" val="1"/>
-              </a:ext>
-            </a:extLst>
-          </p:cNvPr>
+          <p:cNvPr id="24" name="Прямая соединительная линия 23"/>
           <p:cNvCxnSpPr>
             <a:cxnSpLocks noGrp="1" noRot="1" noChangeAspect="1" noMove="1" noResize="1" noEditPoints="1" noAdjustHandles="1" noChangeArrowheads="1" noChangeShapeType="1"/>
           </p:cNvCxnSpPr>
-          <p:nvPr>
-            <p:extLst>
-              <p:ext uri="{386F3935-93C4-4BCD-93E2-E3B085C9AB24}">
-                <p16:designElem xmlns:p16="http://schemas.microsoft.com/office/powerpoint/2015/main" val="1"/>
-              </p:ext>
-            </p:extLst>
-          </p:nvPr>
+          <p:nvPr/>
         </p:nvCxnSpPr>
         <p:spPr>
           <a:xfrm>
@@ -4609,11 +4277,6 @@
         </p:style>
       </p:cxnSp>
     </p:spTree>
-    <p:extLst>
-      <p:ext uri="{BB962C8B-B14F-4D97-AF65-F5344CB8AC3E}">
-        <p14:creationId xmlns:p14="http://schemas.microsoft.com/office/powerpoint/2010/main" val="4043737824"/>
-      </p:ext>
-    </p:extLst>
   </p:cSld>
   <p:clrMapOvr>
     <a:masterClrMapping/>
@@ -4640,13 +4303,7 @@
       </p:grpSpPr>
       <p:sp>
         <p:nvSpPr>
-          <p:cNvPr id="2" name="Заголовок 1">
-            <a:extLst>
-              <a:ext uri="{FF2B5EF4-FFF2-40B4-BE49-F238E27FC236}">
-                <a16:creationId xmlns:a16="http://schemas.microsoft.com/office/drawing/2014/main" id="{9928C321-FE3C-4260-8D07-E3F9C814DBE6}"/>
-              </a:ext>
-            </a:extLst>
-          </p:cNvPr>
+          <p:cNvPr id="2" name="Заголовок 1"/>
           <p:cNvSpPr>
             <a:spLocks noGrp="1"/>
           </p:cNvSpPr>
@@ -4663,19 +4320,13 @@
               <a:rPr lang="ru-RU" dirty="0"/>
               <a:t>Таблица принятия решений</a:t>
             </a:r>
-            <a:endParaRPr lang="ru-BY" dirty="0"/>
-          </a:p>
-        </p:txBody>
-      </p:sp>
-      <p:sp>
-        <p:nvSpPr>
-          <p:cNvPr id="3" name="Объект 2">
-            <a:extLst>
-              <a:ext uri="{FF2B5EF4-FFF2-40B4-BE49-F238E27FC236}">
-                <a16:creationId xmlns:a16="http://schemas.microsoft.com/office/drawing/2014/main" id="{C3295A09-AB79-492F-A9FC-6F3B27D277D5}"/>
-              </a:ext>
-            </a:extLst>
-          </p:cNvPr>
+            <a:endParaRPr lang="en-US" dirty="0"/>
+          </a:p>
+        </p:txBody>
+      </p:sp>
+      <p:sp>
+        <p:nvSpPr>
+          <p:cNvPr id="3" name="Объект 2"/>
           <p:cNvSpPr>
             <a:spLocks noGrp="1"/>
           </p:cNvSpPr>
@@ -4700,6 +4351,7 @@
               <a:rPr lang="ru-RU" dirty="0"/>
               <a:t>. Эта техника подходит для более сложных систем, например – двухфакторной аутентификации. Предположим, чтобы войти в систему, пользователю нужно ввести сначала логин и пароль, а затем еще подтвердить свою личность присланным в смс кодом. </a:t>
             </a:r>
+            <a:endParaRPr lang="ru-RU" dirty="0"/>
           </a:p>
           <a:p>
             <a:r>
@@ -4712,19 +4364,13 @@
               </a:rPr>
               <a:t>Этот метод хорош тем, что он показывает сразу все возможные сценарии в форме, понятной даже неспециалисту. </a:t>
             </a:r>
-            <a:endParaRPr lang="ru-BY" dirty="0"/>
-          </a:p>
-        </p:txBody>
-      </p:sp>
-      <p:sp>
-        <p:nvSpPr>
-          <p:cNvPr id="4" name="Дата 3">
-            <a:extLst>
-              <a:ext uri="{FF2B5EF4-FFF2-40B4-BE49-F238E27FC236}">
-                <a16:creationId xmlns:a16="http://schemas.microsoft.com/office/drawing/2014/main" id="{33A25750-7B27-479D-B41F-3B3F59EBB967}"/>
-              </a:ext>
-            </a:extLst>
-          </p:cNvPr>
+            <a:endParaRPr lang="en-US" dirty="0"/>
+          </a:p>
+        </p:txBody>
+      </p:sp>
+      <p:sp>
+        <p:nvSpPr>
+          <p:cNvPr id="4" name="Дата 3"/>
           <p:cNvSpPr>
             <a:spLocks noGrp="1"/>
           </p:cNvSpPr>
@@ -4740,18 +4386,12 @@
             <a:pPr rtl="0"/>
             <a:fld id="{BE289488-0C23-4DC8-A9FA-240659547385}" type="datetime1">
               <a:rPr lang="ru-RU" smtClean="0"/>
-              <a:t>03.05.2022</a:t>
             </a:fld>
             <a:endParaRPr lang="en-US" dirty="0"/>
           </a:p>
         </p:txBody>
       </p:sp>
     </p:spTree>
-    <p:extLst>
-      <p:ext uri="{BB962C8B-B14F-4D97-AF65-F5344CB8AC3E}">
-        <p14:creationId xmlns:p14="http://schemas.microsoft.com/office/powerpoint/2010/main" val="293780051"/>
-      </p:ext>
-    </p:extLst>
   </p:cSld>
   <p:clrMapOvr>
     <a:masterClrMapping/>
@@ -4778,13 +4418,7 @@
       </p:grpSpPr>
       <p:sp>
         <p:nvSpPr>
-          <p:cNvPr id="2" name="Заголовок 1">
-            <a:extLst>
-              <a:ext uri="{FF2B5EF4-FFF2-40B4-BE49-F238E27FC236}">
-                <a16:creationId xmlns:a16="http://schemas.microsoft.com/office/drawing/2014/main" id="{17B5681F-3E87-44D9-8AD2-E65EEA592734}"/>
-              </a:ext>
-            </a:extLst>
-          </p:cNvPr>
+          <p:cNvPr id="2" name="Заголовок 1"/>
           <p:cNvSpPr>
             <a:spLocks noGrp="1"/>
           </p:cNvSpPr>
@@ -4801,29 +4435,18 @@
               <a:rPr lang="ru-RU" dirty="0"/>
               <a:t>Пример таблицы принятия решений</a:t>
             </a:r>
-            <a:endParaRPr lang="ru-BY" dirty="0"/>
+            <a:endParaRPr lang="en-US" dirty="0"/>
           </a:p>
         </p:txBody>
       </p:sp>
       <p:graphicFrame>
         <p:nvGraphicFramePr>
-          <p:cNvPr id="5" name="Объект 4">
-            <a:extLst>
-              <a:ext uri="{FF2B5EF4-FFF2-40B4-BE49-F238E27FC236}">
-                <a16:creationId xmlns:a16="http://schemas.microsoft.com/office/drawing/2014/main" id="{566F415F-3F78-48B1-882D-7D2E0D15E215}"/>
-              </a:ext>
-            </a:extLst>
-          </p:cNvPr>
+          <p:cNvPr id="5" name="Объект 4"/>
           <p:cNvGraphicFramePr>
             <a:graphicFrameLocks noGrp="1"/>
           </p:cNvGraphicFramePr>
           <p:nvPr>
             <p:ph idx="1"/>
-            <p:extLst>
-              <p:ext uri="{D42A27DB-BD31-4B8C-83A1-F6EECF244321}">
-                <p14:modId xmlns:p14="http://schemas.microsoft.com/office/powerpoint/2010/main" val="2392623340"/>
-              </p:ext>
-            </p:extLst>
           </p:nvPr>
         </p:nvGraphicFramePr>
         <p:xfrm>
@@ -4835,41 +4458,11 @@
             <a:tbl>
               <a:tblPr/>
               <a:tblGrid>
-                <a:gridCol w="2011680">
-                  <a:extLst>
-                    <a:ext uri="{9D8B030D-6E8A-4147-A177-3AD203B41FA5}">
-                      <a16:colId xmlns:a16="http://schemas.microsoft.com/office/drawing/2014/main" val="196517863"/>
-                    </a:ext>
-                  </a:extLst>
-                </a:gridCol>
-                <a:gridCol w="2011680">
-                  <a:extLst>
-                    <a:ext uri="{9D8B030D-6E8A-4147-A177-3AD203B41FA5}">
-                      <a16:colId xmlns:a16="http://schemas.microsoft.com/office/drawing/2014/main" val="3586088158"/>
-                    </a:ext>
-                  </a:extLst>
-                </a:gridCol>
-                <a:gridCol w="2011680">
-                  <a:extLst>
-                    <a:ext uri="{9D8B030D-6E8A-4147-A177-3AD203B41FA5}">
-                      <a16:colId xmlns:a16="http://schemas.microsoft.com/office/drawing/2014/main" val="103509811"/>
-                    </a:ext>
-                  </a:extLst>
-                </a:gridCol>
-                <a:gridCol w="2011680">
-                  <a:extLst>
-                    <a:ext uri="{9D8B030D-6E8A-4147-A177-3AD203B41FA5}">
-                      <a16:colId xmlns:a16="http://schemas.microsoft.com/office/drawing/2014/main" val="2019183759"/>
-                    </a:ext>
-                  </a:extLst>
-                </a:gridCol>
-                <a:gridCol w="2011680">
-                  <a:extLst>
-                    <a:ext uri="{9D8B030D-6E8A-4147-A177-3AD203B41FA5}">
-                      <a16:colId xmlns:a16="http://schemas.microsoft.com/office/drawing/2014/main" val="2952076767"/>
-                    </a:ext>
-                  </a:extLst>
-                </a:gridCol>
+                <a:gridCol w="2011680"/>
+                <a:gridCol w="2011680"/>
+                <a:gridCol w="2011680"/>
+                <a:gridCol w="2011680"/>
+                <a:gridCol w="2011680"/>
               </a:tblGrid>
               <a:tr h="0">
                 <a:tc>
@@ -5126,7 +4719,6 @@
                         <a:buSzTx/>
                         <a:buFontTx/>
                         <a:buNone/>
-                        <a:tabLst/>
                         <a:defRPr/>
                       </a:pPr>
                       <a:r>
@@ -5140,7 +4732,7 @@
                       </a:endParaRPr>
                     </a:p>
                     <a:p>
-                      <a:endParaRPr lang="ru-BY" dirty="0"/>
+                      <a:endParaRPr lang="en-US" dirty="0"/>
                     </a:p>
                   </a:txBody>
                   <a:tcPr>
@@ -5164,11 +4756,6 @@
                     </a:lnB>
                   </a:tcPr>
                 </a:tc>
-                <a:extLst>
-                  <a:ext uri="{0D108BD9-81ED-4DB2-BD59-A6C34878D82A}">
-                    <a16:rowId xmlns:a16="http://schemas.microsoft.com/office/drawing/2014/main" val="3985966981"/>
-                  </a:ext>
-                </a:extLst>
               </a:tr>
               <a:tr h="0">
                 <a:tc>
@@ -5237,11 +4824,14 @@
                     <a:p>
                       <a:pPr fontAlgn="t"/>
                       <a:r>
-                        <a:rPr lang="ru-BY">
+                        <a:rPr lang="en-US">
                           <a:effectLst/>
                         </a:rPr>
                         <a:t> </a:t>
                       </a:r>
+                      <a:endParaRPr lang="en-US">
+                        <a:effectLst/>
+                      </a:endParaRPr>
                     </a:p>
                   </a:txBody>
                   <a:tcPr marB="68580">
@@ -5293,11 +4883,14 @@
                     <a:p>
                       <a:pPr fontAlgn="t"/>
                       <a:r>
-                        <a:rPr lang="ru-BY">
+                        <a:rPr lang="en-US">
                           <a:effectLst/>
                         </a:rPr>
                         <a:t> </a:t>
                       </a:r>
+                      <a:endParaRPr lang="en-US">
+                        <a:effectLst/>
+                      </a:endParaRPr>
                     </a:p>
                   </a:txBody>
                   <a:tcPr marB="68580">
@@ -5349,11 +4942,14 @@
                     <a:p>
                       <a:pPr fontAlgn="t"/>
                       <a:r>
-                        <a:rPr lang="ru-BY">
+                        <a:rPr lang="en-US">
                           <a:effectLst/>
                         </a:rPr>
                         <a:t> </a:t>
                       </a:r>
+                      <a:endParaRPr lang="en-US">
+                        <a:effectLst/>
+                      </a:endParaRPr>
                     </a:p>
                   </a:txBody>
                   <a:tcPr marB="68580">
@@ -5405,11 +5001,14 @@
                     <a:p>
                       <a:pPr fontAlgn="t"/>
                       <a:r>
-                        <a:rPr lang="ru-BY">
+                        <a:rPr lang="en-US">
                           <a:effectLst/>
                         </a:rPr>
                         <a:t> </a:t>
                       </a:r>
+                      <a:endParaRPr lang="en-US">
+                        <a:effectLst/>
+                      </a:endParaRPr>
                     </a:p>
                   </a:txBody>
                   <a:tcPr marB="68580">
@@ -5454,11 +5053,6 @@
                     </a:solidFill>
                   </a:tcPr>
                 </a:tc>
-                <a:extLst>
-                  <a:ext uri="{0D108BD9-81ED-4DB2-BD59-A6C34878D82A}">
-                    <a16:rowId xmlns:a16="http://schemas.microsoft.com/office/drawing/2014/main" val="2401376776"/>
-                  </a:ext>
-                </a:extLst>
               </a:tr>
               <a:tr h="0">
                 <a:tc>
@@ -5473,6 +5067,9 @@
                         </a:rPr>
                         <a:t>Стаж 5 лет</a:t>
                       </a:r>
+                      <a:endParaRPr lang="ru-RU">
+                        <a:effectLst/>
+                      </a:endParaRPr>
                     </a:p>
                   </a:txBody>
                   <a:tcPr marB="68580">
@@ -5529,6 +5126,9 @@
                         </a:rPr>
                         <a:t>Нет</a:t>
                       </a:r>
+                      <a:endParaRPr lang="ru-RU">
+                        <a:effectLst/>
+                      </a:endParaRPr>
                     </a:p>
                   </a:txBody>
                   <a:tcPr marB="68580">
@@ -5585,6 +5185,9 @@
                         </a:rPr>
                         <a:t>Нет</a:t>
                       </a:r>
+                      <a:endParaRPr lang="ru-RU">
+                        <a:effectLst/>
+                      </a:endParaRPr>
                     </a:p>
                   </a:txBody>
                   <a:tcPr marB="68580">
@@ -5641,6 +5244,9 @@
                         </a:rPr>
                         <a:t>Да</a:t>
                       </a:r>
+                      <a:endParaRPr lang="ru-RU">
+                        <a:effectLst/>
+                      </a:endParaRPr>
                     </a:p>
                   </a:txBody>
                   <a:tcPr marB="68580">
@@ -5697,6 +5303,9 @@
                         </a:rPr>
                         <a:t>Да</a:t>
                       </a:r>
+                      <a:endParaRPr lang="ru-RU">
+                        <a:effectLst/>
+                      </a:endParaRPr>
                     </a:p>
                   </a:txBody>
                   <a:tcPr marB="68580">
@@ -5741,11 +5350,6 @@
                     </a:solidFill>
                   </a:tcPr>
                 </a:tc>
-                <a:extLst>
-                  <a:ext uri="{0D108BD9-81ED-4DB2-BD59-A6C34878D82A}">
-                    <a16:rowId xmlns:a16="http://schemas.microsoft.com/office/drawing/2014/main" val="2393852320"/>
-                  </a:ext>
-                </a:extLst>
               </a:tr>
               <a:tr h="0">
                 <a:tc>
@@ -5760,6 +5364,9 @@
                         </a:rPr>
                         <a:t>Был в авариях?</a:t>
                       </a:r>
+                      <a:endParaRPr lang="ru-RU">
+                        <a:effectLst/>
+                      </a:endParaRPr>
                     </a:p>
                   </a:txBody>
                   <a:tcPr marB="68580">
@@ -5816,6 +5423,9 @@
                         </a:rPr>
                         <a:t>Да</a:t>
                       </a:r>
+                      <a:endParaRPr lang="ru-RU">
+                        <a:effectLst/>
+                      </a:endParaRPr>
                     </a:p>
                   </a:txBody>
                   <a:tcPr marB="68580">
@@ -5872,6 +5482,9 @@
                         </a:rPr>
                         <a:t>Нет</a:t>
                       </a:r>
+                      <a:endParaRPr lang="ru-RU">
+                        <a:effectLst/>
+                      </a:endParaRPr>
                     </a:p>
                   </a:txBody>
                   <a:tcPr marB="68580">
@@ -5928,6 +5541,9 @@
                         </a:rPr>
                         <a:t>Да</a:t>
                       </a:r>
+                      <a:endParaRPr lang="ru-RU">
+                        <a:effectLst/>
+                      </a:endParaRPr>
                     </a:p>
                   </a:txBody>
                   <a:tcPr marB="68580">
@@ -5984,6 +5600,9 @@
                         </a:rPr>
                         <a:t>Нет</a:t>
                       </a:r>
+                      <a:endParaRPr lang="ru-RU">
+                        <a:effectLst/>
+                      </a:endParaRPr>
                     </a:p>
                   </a:txBody>
                   <a:tcPr marB="68580">
@@ -6028,11 +5647,6 @@
                     </a:solidFill>
                   </a:tcPr>
                 </a:tc>
-                <a:extLst>
-                  <a:ext uri="{0D108BD9-81ED-4DB2-BD59-A6C34878D82A}">
-                    <a16:rowId xmlns:a16="http://schemas.microsoft.com/office/drawing/2014/main" val="3187425777"/>
-                  </a:ext>
-                </a:extLst>
               </a:tr>
               <a:tr h="0">
                 <a:tc>
@@ -6042,11 +5656,14 @@
                     <a:p>
                       <a:pPr fontAlgn="t"/>
                       <a:r>
-                        <a:rPr lang="ru-BY">
+                        <a:rPr lang="en-US">
                           <a:effectLst/>
                         </a:rPr>
                         <a:t> </a:t>
                       </a:r>
+                      <a:endParaRPr lang="en-US">
+                        <a:effectLst/>
+                      </a:endParaRPr>
                     </a:p>
                   </a:txBody>
                   <a:tcPr marB="68580">
@@ -6098,11 +5715,14 @@
                     <a:p>
                       <a:pPr fontAlgn="t"/>
                       <a:r>
-                        <a:rPr lang="ru-BY">
+                        <a:rPr lang="en-US">
                           <a:effectLst/>
                         </a:rPr>
                         <a:t> </a:t>
                       </a:r>
+                      <a:endParaRPr lang="en-US">
+                        <a:effectLst/>
+                      </a:endParaRPr>
                     </a:p>
                   </a:txBody>
                   <a:tcPr marB="68580">
@@ -6154,11 +5774,14 @@
                     <a:p>
                       <a:pPr fontAlgn="t"/>
                       <a:r>
-                        <a:rPr lang="ru-BY">
+                        <a:rPr lang="en-US">
                           <a:effectLst/>
                         </a:rPr>
                         <a:t> </a:t>
                       </a:r>
+                      <a:endParaRPr lang="en-US">
+                        <a:effectLst/>
+                      </a:endParaRPr>
                     </a:p>
                   </a:txBody>
                   <a:tcPr marB="68580">
@@ -6210,11 +5833,14 @@
                     <a:p>
                       <a:pPr fontAlgn="t"/>
                       <a:r>
-                        <a:rPr lang="ru-BY">
+                        <a:rPr lang="en-US">
                           <a:effectLst/>
                         </a:rPr>
                         <a:t> </a:t>
                       </a:r>
+                      <a:endParaRPr lang="en-US">
+                        <a:effectLst/>
+                      </a:endParaRPr>
                     </a:p>
                   </a:txBody>
                   <a:tcPr marB="68580">
@@ -6266,11 +5892,14 @@
                     <a:p>
                       <a:pPr fontAlgn="t"/>
                       <a:r>
-                        <a:rPr lang="ru-BY">
+                        <a:rPr lang="en-US">
                           <a:effectLst/>
                         </a:rPr>
                         <a:t> </a:t>
                       </a:r>
+                      <a:endParaRPr lang="en-US">
+                        <a:effectLst/>
+                      </a:endParaRPr>
                     </a:p>
                   </a:txBody>
                   <a:tcPr marB="68580">
@@ -6315,11 +5944,6 @@
                     </a:solidFill>
                   </a:tcPr>
                 </a:tc>
-                <a:extLst>
-                  <a:ext uri="{0D108BD9-81ED-4DB2-BD59-A6C34878D82A}">
-                    <a16:rowId xmlns:a16="http://schemas.microsoft.com/office/drawing/2014/main" val="3604905125"/>
-                  </a:ext>
-                </a:extLst>
               </a:tr>
               <a:tr h="0">
                 <a:tc>
@@ -6388,11 +6012,14 @@
                     <a:p>
                       <a:pPr fontAlgn="t"/>
                       <a:r>
-                        <a:rPr lang="ru-BY">
+                        <a:rPr lang="en-US">
                           <a:effectLst/>
                         </a:rPr>
                         <a:t> </a:t>
                       </a:r>
+                      <a:endParaRPr lang="en-US">
+                        <a:effectLst/>
+                      </a:endParaRPr>
                     </a:p>
                   </a:txBody>
                   <a:tcPr marB="68580">
@@ -6444,11 +6071,14 @@
                     <a:p>
                       <a:pPr fontAlgn="t"/>
                       <a:r>
-                        <a:rPr lang="ru-BY">
+                        <a:rPr lang="en-US">
                           <a:effectLst/>
                         </a:rPr>
                         <a:t> </a:t>
                       </a:r>
+                      <a:endParaRPr lang="en-US">
+                        <a:effectLst/>
+                      </a:endParaRPr>
                     </a:p>
                   </a:txBody>
                   <a:tcPr marB="68580">
@@ -6500,11 +6130,14 @@
                     <a:p>
                       <a:pPr fontAlgn="t"/>
                       <a:r>
-                        <a:rPr lang="ru-BY">
+                        <a:rPr lang="en-US">
                           <a:effectLst/>
                         </a:rPr>
                         <a:t> </a:t>
                       </a:r>
+                      <a:endParaRPr lang="en-US">
+                        <a:effectLst/>
+                      </a:endParaRPr>
                     </a:p>
                   </a:txBody>
                   <a:tcPr marB="68580">
@@ -6556,11 +6189,14 @@
                     <a:p>
                       <a:pPr fontAlgn="t"/>
                       <a:r>
-                        <a:rPr lang="ru-BY">
+                        <a:rPr lang="en-US">
                           <a:effectLst/>
                         </a:rPr>
                         <a:t> </a:t>
                       </a:r>
+                      <a:endParaRPr lang="en-US">
+                        <a:effectLst/>
+                      </a:endParaRPr>
                     </a:p>
                   </a:txBody>
                   <a:tcPr marB="68580">
@@ -6605,11 +6241,6 @@
                     </a:solidFill>
                   </a:tcPr>
                 </a:tc>
-                <a:extLst>
-                  <a:ext uri="{0D108BD9-81ED-4DB2-BD59-A6C34878D82A}">
-                    <a16:rowId xmlns:a16="http://schemas.microsoft.com/office/drawing/2014/main" val="3235527903"/>
-                  </a:ext>
-                </a:extLst>
               </a:tr>
               <a:tr h="0">
                 <a:tc>
@@ -6624,6 +6255,9 @@
                         </a:rPr>
                         <a:t>Страховка</a:t>
                       </a:r>
+                      <a:endParaRPr lang="ru-RU">
+                        <a:effectLst/>
+                      </a:endParaRPr>
                     </a:p>
                   </a:txBody>
                   <a:tcPr marB="68580">
@@ -6680,6 +6314,9 @@
                         </a:rPr>
                         <a:t>200 руб</a:t>
                       </a:r>
+                      <a:endParaRPr lang="ru-RU">
+                        <a:effectLst/>
+                      </a:endParaRPr>
                     </a:p>
                   </a:txBody>
                   <a:tcPr marB="68580">
@@ -6736,6 +6373,9 @@
                         </a:rPr>
                         <a:t>100 руб</a:t>
                       </a:r>
+                      <a:endParaRPr lang="ru-RU">
+                        <a:effectLst/>
+                      </a:endParaRPr>
                     </a:p>
                   </a:txBody>
                   <a:tcPr marB="68580">
@@ -6792,6 +6432,9 @@
                         </a:rPr>
                         <a:t>50 руб</a:t>
                       </a:r>
+                      <a:endParaRPr lang="ru-RU">
+                        <a:effectLst/>
+                      </a:endParaRPr>
                     </a:p>
                   </a:txBody>
                   <a:tcPr marB="68580">
@@ -6901,11 +6544,6 @@
                     </a:solidFill>
                   </a:tcPr>
                 </a:tc>
-                <a:extLst>
-                  <a:ext uri="{0D108BD9-81ED-4DB2-BD59-A6C34878D82A}">
-                    <a16:rowId xmlns:a16="http://schemas.microsoft.com/office/drawing/2014/main" val="1503327097"/>
-                  </a:ext>
-                </a:extLst>
               </a:tr>
             </a:tbl>
           </a:graphicData>
@@ -6913,13 +6551,7 @@
       </p:graphicFrame>
       <p:sp>
         <p:nvSpPr>
-          <p:cNvPr id="4" name="Дата 3">
-            <a:extLst>
-              <a:ext uri="{FF2B5EF4-FFF2-40B4-BE49-F238E27FC236}">
-                <a16:creationId xmlns:a16="http://schemas.microsoft.com/office/drawing/2014/main" id="{8AC3B6CB-542D-405B-8759-1A0A92D38282}"/>
-              </a:ext>
-            </a:extLst>
-          </p:cNvPr>
+          <p:cNvPr id="4" name="Дата 3"/>
           <p:cNvSpPr>
             <a:spLocks noGrp="1"/>
           </p:cNvSpPr>
@@ -6935,18 +6567,12 @@
             <a:pPr rtl="0"/>
             <a:fld id="{BE289488-0C23-4DC8-A9FA-240659547385}" type="datetime1">
               <a:rPr lang="ru-RU" smtClean="0"/>
-              <a:t>03.05.2022</a:t>
             </a:fld>
             <a:endParaRPr lang="en-US" dirty="0"/>
           </a:p>
         </p:txBody>
       </p:sp>
     </p:spTree>
-    <p:extLst>
-      <p:ext uri="{BB962C8B-B14F-4D97-AF65-F5344CB8AC3E}">
-        <p14:creationId xmlns:p14="http://schemas.microsoft.com/office/powerpoint/2010/main" val="2998215096"/>
-      </p:ext>
-    </p:extLst>
   </p:cSld>
   <p:clrMapOvr>
     <a:masterClrMapping/>
@@ -6973,13 +6599,7 @@
       </p:grpSpPr>
       <p:sp>
         <p:nvSpPr>
-          <p:cNvPr id="2" name="Заголовок 1">
-            <a:extLst>
-              <a:ext uri="{FF2B5EF4-FFF2-40B4-BE49-F238E27FC236}">
-                <a16:creationId xmlns:a16="http://schemas.microsoft.com/office/drawing/2014/main" id="{849B0466-B6AE-436B-A7A8-1BF16B8F168E}"/>
-              </a:ext>
-            </a:extLst>
-          </p:cNvPr>
+          <p:cNvPr id="2" name="Заголовок 1"/>
           <p:cNvSpPr>
             <a:spLocks noGrp="1"/>
           </p:cNvSpPr>
@@ -7011,19 +6631,13 @@
               <a:rPr lang="ru-RU" dirty="0"/>
               <a:t>попарное тестирование)</a:t>
             </a:r>
-            <a:endParaRPr lang="ru-BY" dirty="0"/>
-          </a:p>
-        </p:txBody>
-      </p:sp>
-      <p:sp>
-        <p:nvSpPr>
-          <p:cNvPr id="3" name="Объект 2">
-            <a:extLst>
-              <a:ext uri="{FF2B5EF4-FFF2-40B4-BE49-F238E27FC236}">
-                <a16:creationId xmlns:a16="http://schemas.microsoft.com/office/drawing/2014/main" id="{D4D01C15-64D5-4DFF-B240-A29AF9352057}"/>
-              </a:ext>
-            </a:extLst>
-          </p:cNvPr>
+            <a:endParaRPr lang="en-US" dirty="0"/>
+          </a:p>
+        </p:txBody>
+      </p:sp>
+      <p:sp>
+        <p:nvSpPr>
+          <p:cNvPr id="3" name="Объект 2"/>
           <p:cNvSpPr>
             <a:spLocks noGrp="1"/>
           </p:cNvSpPr>
@@ -7091,19 +6705,13 @@
             <a:br>
               <a:rPr lang="ru-RU" dirty="0"/>
             </a:br>
-            <a:endParaRPr lang="ru-BY" dirty="0"/>
-          </a:p>
-        </p:txBody>
-      </p:sp>
-      <p:sp>
-        <p:nvSpPr>
-          <p:cNvPr id="4" name="Дата 3">
-            <a:extLst>
-              <a:ext uri="{FF2B5EF4-FFF2-40B4-BE49-F238E27FC236}">
-                <a16:creationId xmlns:a16="http://schemas.microsoft.com/office/drawing/2014/main" id="{D8EC474D-8425-451A-90A4-FDEBB1254909}"/>
-              </a:ext>
-            </a:extLst>
-          </p:cNvPr>
+            <a:endParaRPr lang="en-US" dirty="0"/>
+          </a:p>
+        </p:txBody>
+      </p:sp>
+      <p:sp>
+        <p:nvSpPr>
+          <p:cNvPr id="4" name="Дата 3"/>
           <p:cNvSpPr>
             <a:spLocks noGrp="1"/>
           </p:cNvSpPr>
@@ -7119,18 +6727,12 @@
             <a:pPr rtl="0"/>
             <a:fld id="{BE289488-0C23-4DC8-A9FA-240659547385}" type="datetime1">
               <a:rPr lang="ru-RU" smtClean="0"/>
-              <a:t>03.05.2022</a:t>
             </a:fld>
             <a:endParaRPr lang="en-US" dirty="0"/>
           </a:p>
         </p:txBody>
       </p:sp>
     </p:spTree>
-    <p:extLst>
-      <p:ext uri="{BB962C8B-B14F-4D97-AF65-F5344CB8AC3E}">
-        <p14:creationId xmlns:p14="http://schemas.microsoft.com/office/powerpoint/2010/main" val="3345502290"/>
-      </p:ext>
-    </p:extLst>
   </p:cSld>
   <p:clrMapOvr>
     <a:masterClrMapping/>
@@ -7157,13 +6759,7 @@
       </p:grpSpPr>
       <p:sp>
         <p:nvSpPr>
-          <p:cNvPr id="2" name="Заголовок 1">
-            <a:extLst>
-              <a:ext uri="{FF2B5EF4-FFF2-40B4-BE49-F238E27FC236}">
-                <a16:creationId xmlns:a16="http://schemas.microsoft.com/office/drawing/2014/main" id="{0E2BFFB4-FF53-406D-BD69-AF64F4D4AF37}"/>
-              </a:ext>
-            </a:extLst>
-          </p:cNvPr>
+          <p:cNvPr id="2" name="Заголовок 1"/>
           <p:cNvSpPr>
             <a:spLocks noGrp="1"/>
           </p:cNvSpPr>
@@ -7180,19 +6776,13 @@
               <a:rPr lang="ru-RU" dirty="0"/>
               <a:t>Попарное тестирование</a:t>
             </a:r>
-            <a:endParaRPr lang="ru-BY" dirty="0"/>
-          </a:p>
-        </p:txBody>
-      </p:sp>
-      <p:sp>
-        <p:nvSpPr>
-          <p:cNvPr id="3" name="Объект 2">
-            <a:extLst>
-              <a:ext uri="{FF2B5EF4-FFF2-40B4-BE49-F238E27FC236}">
-                <a16:creationId xmlns:a16="http://schemas.microsoft.com/office/drawing/2014/main" id="{FCAC28BA-48CB-408C-ACE9-3F81667239EC}"/>
-              </a:ext>
-            </a:extLst>
-          </p:cNvPr>
+            <a:endParaRPr lang="en-US" dirty="0"/>
+          </a:p>
+        </p:txBody>
+      </p:sp>
+      <p:sp>
+        <p:nvSpPr>
+          <p:cNvPr id="3" name="Объект 2"/>
           <p:cNvSpPr>
             <a:spLocks noGrp="1"/>
           </p:cNvSpPr>
@@ -7209,6 +6799,7 @@
               <a:rPr lang="ru-RU" b="1" u="sng" dirty="0"/>
               <a:t>Сколько вариантов проверок?</a:t>
             </a:r>
+            <a:endParaRPr lang="ru-RU" b="1" u="sng" dirty="0"/>
           </a:p>
           <a:p>
             <a:r>
@@ -7227,6 +6818,7 @@
               <a:rPr lang="ru-RU" dirty="0"/>
               <a:t>Мужчина/Женщина</a:t>
             </a:r>
+            <a:endParaRPr lang="ru-RU" dirty="0"/>
           </a:p>
           <a:p>
             <a:r>
@@ -7237,6 +6829,7 @@
               <a:rPr lang="ru-RU" dirty="0"/>
               <a:t>от 0 до 15, с 16 до 17, с 18 до 21, с 22 до 35, с 36 до 80, старше 80 лет</a:t>
             </a:r>
+            <a:endParaRPr lang="ru-RU" dirty="0"/>
           </a:p>
           <a:p>
             <a:r>
@@ -7247,6 +6840,7 @@
               <a:rPr lang="ru-RU" dirty="0"/>
               <a:t>гражданин, вид на жительство, беженец, гражданин другого государства, без документов</a:t>
             </a:r>
+            <a:endParaRPr lang="ru-RU" dirty="0"/>
           </a:p>
           <a:p>
             <a:r>
@@ -7265,19 +6859,13 @@
               <a:rPr lang="ru-RU" dirty="0"/>
               <a:t>работа по договору подряда, работа по контракту, ИП, предпринимательская деятельность, на иждивении, гос. пособия, самозанятость</a:t>
             </a:r>
-            <a:endParaRPr lang="ru-BY" dirty="0"/>
-          </a:p>
-        </p:txBody>
-      </p:sp>
-      <p:sp>
-        <p:nvSpPr>
-          <p:cNvPr id="4" name="Дата 3">
-            <a:extLst>
-              <a:ext uri="{FF2B5EF4-FFF2-40B4-BE49-F238E27FC236}">
-                <a16:creationId xmlns:a16="http://schemas.microsoft.com/office/drawing/2014/main" id="{18EFC9B5-9F73-43F9-96C7-2F9F0C8B056C}"/>
-              </a:ext>
-            </a:extLst>
-          </p:cNvPr>
+            <a:endParaRPr lang="en-US" dirty="0"/>
+          </a:p>
+        </p:txBody>
+      </p:sp>
+      <p:sp>
+        <p:nvSpPr>
+          <p:cNvPr id="4" name="Дата 3"/>
           <p:cNvSpPr>
             <a:spLocks noGrp="1"/>
           </p:cNvSpPr>
@@ -7293,18 +6881,12 @@
             <a:pPr rtl="0"/>
             <a:fld id="{BE289488-0C23-4DC8-A9FA-240659547385}" type="datetime1">
               <a:rPr lang="ru-RU" smtClean="0"/>
-              <a:t>03.05.2022</a:t>
             </a:fld>
             <a:endParaRPr lang="en-US" dirty="0"/>
           </a:p>
         </p:txBody>
       </p:sp>
     </p:spTree>
-    <p:extLst>
-      <p:ext uri="{BB962C8B-B14F-4D97-AF65-F5344CB8AC3E}">
-        <p14:creationId xmlns:p14="http://schemas.microsoft.com/office/powerpoint/2010/main" val="736661709"/>
-      </p:ext>
-    </p:extLst>
   </p:cSld>
   <p:clrMapOvr>
     <a:masterClrMapping/>
@@ -7331,13 +6913,7 @@
       </p:grpSpPr>
       <p:sp>
         <p:nvSpPr>
-          <p:cNvPr id="2" name="Заголовок 1">
-            <a:extLst>
-              <a:ext uri="{FF2B5EF4-FFF2-40B4-BE49-F238E27FC236}">
-                <a16:creationId xmlns:a16="http://schemas.microsoft.com/office/drawing/2014/main" id="{B28AA22B-FAB4-4C34-BABB-F39F6B2F1F7A}"/>
-              </a:ext>
-            </a:extLst>
-          </p:cNvPr>
+          <p:cNvPr id="2" name="Заголовок 1"/>
           <p:cNvSpPr>
             <a:spLocks noGrp="1"/>
           </p:cNvSpPr>
@@ -7354,19 +6930,13 @@
               <a:rPr lang="ru-RU" dirty="0"/>
               <a:t>Инструменты для попарного тестирования</a:t>
             </a:r>
-            <a:endParaRPr lang="ru-BY" dirty="0"/>
-          </a:p>
-        </p:txBody>
-      </p:sp>
-      <p:sp>
-        <p:nvSpPr>
-          <p:cNvPr id="3" name="Объект 2">
-            <a:extLst>
-              <a:ext uri="{FF2B5EF4-FFF2-40B4-BE49-F238E27FC236}">
-                <a16:creationId xmlns:a16="http://schemas.microsoft.com/office/drawing/2014/main" id="{E70EEDA1-2DD0-4428-996E-899E82EE90D1}"/>
-              </a:ext>
-            </a:extLst>
-          </p:cNvPr>
+            <a:endParaRPr lang="en-US" dirty="0"/>
+          </a:p>
+        </p:txBody>
+      </p:sp>
+      <p:sp>
+        <p:nvSpPr>
+          <p:cNvPr id="3" name="Объект 2"/>
           <p:cNvSpPr>
             <a:spLocks noGrp="1"/>
           </p:cNvSpPr>
@@ -7380,6 +6950,50 @@
             <a:normAutofit/>
           </a:bodyPr>
           <a:lstStyle/>
+          <a:p>
+            <a:pPr algn="l">
+              <a:buFont typeface="Arial" panose="020B0604020202020204" pitchFamily="34" charset="0"/>
+              <a:buChar char="•"/>
+            </a:pPr>
+            <a:r>
+              <a:rPr lang="ru-RU" b="0" i="0" u="none" strike="noStrike" dirty="0">
+                <a:solidFill>
+                  <a:srgbClr val="548EAA"/>
+                </a:solidFill>
+                <a:effectLst/>
+                <a:latin typeface="-apple-system"/>
+                <a:hlinkClick r:id="rId1"/>
+              </a:rPr>
+              <a:t>PICT</a:t>
+            </a:r>
+            <a:r>
+              <a:rPr lang="ru-RU" b="1" i="0" dirty="0">
+                <a:solidFill>
+                  <a:srgbClr val="111111"/>
+                </a:solidFill>
+                <a:effectLst/>
+                <a:latin typeface="-apple-system"/>
+              </a:rPr>
+              <a:t> – </a:t>
+            </a:r>
+            <a:r>
+              <a:rPr lang="ru-RU" b="0" i="0" dirty="0">
+                <a:solidFill>
+                  <a:srgbClr val="111111"/>
+                </a:solidFill>
+                <a:effectLst/>
+                <a:latin typeface="-apple-system"/>
+              </a:rPr>
+              <a:t>Попарное независимое комбинаторное тестирование от Microsoft Corp.</a:t>
+            </a:r>
+            <a:endParaRPr lang="ru-RU" b="0" i="0" dirty="0">
+              <a:solidFill>
+                <a:srgbClr val="111111"/>
+              </a:solidFill>
+              <a:effectLst/>
+              <a:latin typeface="-apple-system"/>
+            </a:endParaRPr>
+          </a:p>
           <a:p>
             <a:pPr algn="l">
               <a:buFont typeface="Arial" panose="020B0604020202020204" pitchFamily="34" charset="0"/>
@@ -7394,7 +7008,18 @@
                 <a:latin typeface="-apple-system"/>
                 <a:hlinkClick r:id="rId2"/>
               </a:rPr>
-              <a:t>PICT</a:t>
+              <a:t>IBM </a:t>
+            </a:r>
+            <a:r>
+              <a:rPr lang="ru-RU" b="0" i="0" u="none" strike="noStrike" dirty="0" err="1">
+                <a:solidFill>
+                  <a:srgbClr val="548EAA"/>
+                </a:solidFill>
+                <a:effectLst/>
+                <a:latin typeface="-apple-system"/>
+                <a:hlinkClick r:id="rId2"/>
+              </a:rPr>
+              <a:t>FoCuS</a:t>
             </a:r>
             <a:r>
               <a:rPr lang="ru-RU" b="1" i="0" dirty="0">
@@ -7414,8 +7039,15 @@
                 <a:effectLst/>
                 <a:latin typeface="-apple-system"/>
               </a:rPr>
-              <a:t>Попарное независимое комбинаторное тестирование от Microsoft Corp.</a:t>
-            </a:r>
+              <a:t>Единое решение для функционального покрытия от IBM.</a:t>
+            </a:r>
+            <a:endParaRPr lang="ru-RU" b="0" i="0" dirty="0">
+              <a:solidFill>
+                <a:srgbClr val="111111"/>
+              </a:solidFill>
+              <a:effectLst/>
+              <a:latin typeface="-apple-system"/>
+            </a:endParaRPr>
           </a:p>
           <a:p>
             <a:pPr algn="l">
@@ -7431,18 +7063,7 @@
                 <a:latin typeface="-apple-system"/>
                 <a:hlinkClick r:id="rId3"/>
               </a:rPr>
-              <a:t>IBM </a:t>
-            </a:r>
-            <a:r>
-              <a:rPr lang="ru-RU" b="0" i="0" u="none" strike="noStrike" dirty="0" err="1">
-                <a:solidFill>
-                  <a:srgbClr val="548EAA"/>
-                </a:solidFill>
-                <a:effectLst/>
-                <a:latin typeface="-apple-system"/>
-                <a:hlinkClick r:id="rId3"/>
-              </a:rPr>
-              <a:t>FoCuS</a:t>
+              <a:t>ACTS</a:t>
             </a:r>
             <a:r>
               <a:rPr lang="ru-RU" b="1" i="0" dirty="0">
@@ -7462,8 +7083,15 @@
                 <a:effectLst/>
                 <a:latin typeface="-apple-system"/>
               </a:rPr>
-              <a:t>Единое решение для функционального покрытия от IBM.</a:t>
-            </a:r>
+              <a:t>Расширенная комбинаторная система тестирования от NIST, агентства правительства США.</a:t>
+            </a:r>
+            <a:endParaRPr lang="ru-RU" b="0" i="0" dirty="0">
+              <a:solidFill>
+                <a:srgbClr val="111111"/>
+              </a:solidFill>
+              <a:effectLst/>
+              <a:latin typeface="-apple-system"/>
+            </a:endParaRPr>
           </a:p>
           <a:p>
             <a:pPr algn="l">
@@ -7471,7 +7099,7 @@
               <a:buChar char="•"/>
             </a:pPr>
             <a:r>
-              <a:rPr lang="ru-RU" b="0" i="0" u="none" strike="noStrike" dirty="0">
+              <a:rPr lang="ru-RU" b="0" i="0" u="none" strike="noStrike" dirty="0" err="1">
                 <a:solidFill>
                   <a:srgbClr val="548EAA"/>
                 </a:solidFill>
@@ -7479,28 +7107,15 @@
                 <a:latin typeface="-apple-system"/>
                 <a:hlinkClick r:id="rId4"/>
               </a:rPr>
-              <a:t>ACTS</a:t>
-            </a:r>
-            <a:r>
-              <a:rPr lang="ru-RU" b="1" i="0" dirty="0">
-                <a:solidFill>
-                  <a:srgbClr val="111111"/>
-                </a:solidFill>
-                <a:effectLst/>
-                <a:latin typeface="-apple-system"/>
-              </a:rPr>
-              <a:t> – </a:t>
-            </a:r>
-            <a:r>
-              <a:rPr lang="ru-RU" b="0" i="0" dirty="0">
-                <a:solidFill>
-                  <a:srgbClr val="111111"/>
-                </a:solidFill>
-                <a:effectLst/>
-                <a:latin typeface="-apple-system"/>
-              </a:rPr>
-              <a:t>Расширенная комбинаторная система тестирования от NIST, агентства правительства США.</a:t>
-            </a:r>
+              <a:t>Hexawise</a:t>
+            </a:r>
+            <a:endParaRPr lang="ru-RU" b="0" i="0" dirty="0">
+              <a:solidFill>
+                <a:srgbClr val="111111"/>
+              </a:solidFill>
+              <a:effectLst/>
+              <a:latin typeface="-apple-system"/>
+            </a:endParaRPr>
           </a:p>
           <a:p>
             <a:pPr algn="l">
@@ -7516,7 +7131,7 @@
                 <a:latin typeface="-apple-system"/>
                 <a:hlinkClick r:id="rId5"/>
               </a:rPr>
-              <a:t>Hexawise</a:t>
+              <a:t>Jenny</a:t>
             </a:r>
             <a:endParaRPr lang="ru-RU" b="0" i="0" dirty="0">
               <a:solidFill>
@@ -7540,7 +7155,37 @@
                 <a:latin typeface="-apple-system"/>
                 <a:hlinkClick r:id="rId6"/>
               </a:rPr>
-              <a:t>Jenny</a:t>
+              <a:t>Pairwise</a:t>
+            </a:r>
+            <a:r>
+              <a:rPr lang="ru-RU" b="0" i="0" dirty="0">
+                <a:solidFill>
+                  <a:srgbClr val="111111"/>
+                </a:solidFill>
+                <a:effectLst/>
+                <a:latin typeface="-apple-system"/>
+              </a:rPr>
+              <a:t> от </a:t>
+            </a:r>
+            <a:r>
+              <a:rPr lang="ru-RU" b="0" i="0" dirty="0" err="1">
+                <a:solidFill>
+                  <a:srgbClr val="111111"/>
+                </a:solidFill>
+                <a:effectLst/>
+                <a:latin typeface="-apple-system"/>
+              </a:rPr>
+              <a:t>Inductive</a:t>
+            </a:r>
+            <a:r>
+              <a:rPr lang="ru-RU" b="0" i="0" dirty="0">
+                <a:solidFill>
+                  <a:srgbClr val="111111"/>
+                </a:solidFill>
+                <a:effectLst/>
+                <a:latin typeface="-apple-system"/>
+              </a:rPr>
+              <a:t> AS</a:t>
             </a:r>
             <a:endParaRPr lang="ru-RU" b="0" i="0" dirty="0">
               <a:solidFill>
@@ -7564,53 +7209,6 @@
                 <a:latin typeface="-apple-system"/>
                 <a:hlinkClick r:id="rId7"/>
               </a:rPr>
-              <a:t>Pairwise</a:t>
-            </a:r>
-            <a:r>
-              <a:rPr lang="ru-RU" b="0" i="0" dirty="0">
-                <a:solidFill>
-                  <a:srgbClr val="111111"/>
-                </a:solidFill>
-                <a:effectLst/>
-                <a:latin typeface="-apple-system"/>
-              </a:rPr>
-              <a:t> от </a:t>
-            </a:r>
-            <a:r>
-              <a:rPr lang="ru-RU" b="0" i="0" dirty="0" err="1">
-                <a:solidFill>
-                  <a:srgbClr val="111111"/>
-                </a:solidFill>
-                <a:effectLst/>
-                <a:latin typeface="-apple-system"/>
-              </a:rPr>
-              <a:t>Inductive</a:t>
-            </a:r>
-            <a:r>
-              <a:rPr lang="ru-RU" b="0" i="0" dirty="0">
-                <a:solidFill>
-                  <a:srgbClr val="111111"/>
-                </a:solidFill>
-                <a:effectLst/>
-                <a:latin typeface="-apple-system"/>
-              </a:rPr>
-              <a:t> AS</a:t>
-            </a:r>
-          </a:p>
-          <a:p>
-            <a:pPr algn="l">
-              <a:buFont typeface="Arial" panose="020B0604020202020204" pitchFamily="34" charset="0"/>
-              <a:buChar char="•"/>
-            </a:pPr>
-            <a:r>
-              <a:rPr lang="ru-RU" b="0" i="0" u="none" strike="noStrike" dirty="0" err="1">
-                <a:solidFill>
-                  <a:srgbClr val="548EAA"/>
-                </a:solidFill>
-                <a:effectLst/>
-                <a:latin typeface="-apple-system"/>
-                <a:hlinkClick r:id="rId8"/>
-              </a:rPr>
               <a:t>VPTag</a:t>
             </a:r>
             <a:r>
@@ -7643,24 +7241,25 @@
               </a:rPr>
               <a:t> бесплатный инструмент попарного тестирования</a:t>
             </a:r>
+            <a:endParaRPr lang="ru-RU" b="0" i="0" dirty="0">
+              <a:solidFill>
+                <a:srgbClr val="111111"/>
+              </a:solidFill>
+              <a:effectLst/>
+              <a:latin typeface="-apple-system"/>
+            </a:endParaRPr>
           </a:p>
           <a:p>
             <a:pPr marL="0" indent="0">
               <a:buNone/>
             </a:pPr>
-            <a:endParaRPr lang="ru-BY" dirty="0"/>
-          </a:p>
-        </p:txBody>
-      </p:sp>
-      <p:sp>
-        <p:nvSpPr>
-          <p:cNvPr id="4" name="Дата 3">
-            <a:extLst>
-              <a:ext uri="{FF2B5EF4-FFF2-40B4-BE49-F238E27FC236}">
-                <a16:creationId xmlns:a16="http://schemas.microsoft.com/office/drawing/2014/main" id="{0996F9B8-DE8E-433E-A7ED-85CD61AC5915}"/>
-              </a:ext>
-            </a:extLst>
-          </p:cNvPr>
+            <a:endParaRPr lang="en-US" dirty="0"/>
+          </a:p>
+        </p:txBody>
+      </p:sp>
+      <p:sp>
+        <p:nvSpPr>
+          <p:cNvPr id="4" name="Дата 3"/>
           <p:cNvSpPr>
             <a:spLocks noGrp="1"/>
           </p:cNvSpPr>
@@ -7676,18 +7275,12 @@
             <a:pPr rtl="0"/>
             <a:fld id="{BE289488-0C23-4DC8-A9FA-240659547385}" type="datetime1">
               <a:rPr lang="ru-RU" smtClean="0"/>
-              <a:t>03.05.2022</a:t>
             </a:fld>
             <a:endParaRPr lang="en-US" dirty="0"/>
           </a:p>
         </p:txBody>
       </p:sp>
     </p:spTree>
-    <p:extLst>
-      <p:ext uri="{BB962C8B-B14F-4D97-AF65-F5344CB8AC3E}">
-        <p14:creationId xmlns:p14="http://schemas.microsoft.com/office/powerpoint/2010/main" val="25546577"/>
-      </p:ext>
-    </p:extLst>
   </p:cSld>
   <p:clrMapOvr>
     <a:masterClrMapping/>
@@ -7714,13 +7307,7 @@
       </p:grpSpPr>
       <p:sp>
         <p:nvSpPr>
-          <p:cNvPr id="2" name="Заголовок 1">
-            <a:extLst>
-              <a:ext uri="{FF2B5EF4-FFF2-40B4-BE49-F238E27FC236}">
-                <a16:creationId xmlns:a16="http://schemas.microsoft.com/office/drawing/2014/main" id="{360C0FE7-9EAD-4D03-98DF-9BD01D8347CF}"/>
-              </a:ext>
-            </a:extLst>
-          </p:cNvPr>
+          <p:cNvPr id="2" name="Заголовок 1"/>
           <p:cNvSpPr>
             <a:spLocks noGrp="1"/>
           </p:cNvSpPr>
@@ -7760,19 +7347,13 @@
               <a:rPr lang="ru-RU" dirty="0"/>
               <a:t> — EG)</a:t>
             </a:r>
-            <a:endParaRPr lang="ru-BY" dirty="0"/>
-          </a:p>
-        </p:txBody>
-      </p:sp>
-      <p:sp>
-        <p:nvSpPr>
-          <p:cNvPr id="3" name="Объект 2">
-            <a:extLst>
-              <a:ext uri="{FF2B5EF4-FFF2-40B4-BE49-F238E27FC236}">
-                <a16:creationId xmlns:a16="http://schemas.microsoft.com/office/drawing/2014/main" id="{7B2CA889-B79D-424C-986D-8B0598A1F5F3}"/>
-              </a:ext>
-            </a:extLst>
-          </p:cNvPr>
+            <a:endParaRPr lang="en-US" dirty="0"/>
+          </a:p>
+        </p:txBody>
+      </p:sp>
+      <p:sp>
+        <p:nvSpPr>
+          <p:cNvPr id="3" name="Объект 2"/>
           <p:cNvSpPr>
             <a:spLocks noGrp="1"/>
           </p:cNvSpPr>
@@ -7789,19 +7370,13 @@
               <a:rPr lang="ru-RU" dirty="0"/>
               <a:t>Это когда тестировщик использует свои знания системы и способность к интерпретации спецификации на предмет того, чтобы «предугадать» при каких входных условиях система может выдать ошибку.</a:t>
             </a:r>
-            <a:endParaRPr lang="ru-BY" dirty="0"/>
-          </a:p>
-        </p:txBody>
-      </p:sp>
-      <p:sp>
-        <p:nvSpPr>
-          <p:cNvPr id="4" name="Дата 3">
-            <a:extLst>
-              <a:ext uri="{FF2B5EF4-FFF2-40B4-BE49-F238E27FC236}">
-                <a16:creationId xmlns:a16="http://schemas.microsoft.com/office/drawing/2014/main" id="{026069C5-DEBF-4110-A328-4B97D578C4A8}"/>
-              </a:ext>
-            </a:extLst>
-          </p:cNvPr>
+            <a:endParaRPr lang="en-US" dirty="0"/>
+          </a:p>
+        </p:txBody>
+      </p:sp>
+      <p:sp>
+        <p:nvSpPr>
+          <p:cNvPr id="4" name="Дата 3"/>
           <p:cNvSpPr>
             <a:spLocks noGrp="1"/>
           </p:cNvSpPr>
@@ -7817,18 +7392,12 @@
             <a:pPr rtl="0"/>
             <a:fld id="{BE289488-0C23-4DC8-A9FA-240659547385}" type="datetime1">
               <a:rPr lang="ru-RU" smtClean="0"/>
-              <a:t>03.05.2022</a:t>
             </a:fld>
             <a:endParaRPr lang="en-US" dirty="0"/>
           </a:p>
         </p:txBody>
       </p:sp>
     </p:spTree>
-    <p:extLst>
-      <p:ext uri="{BB962C8B-B14F-4D97-AF65-F5344CB8AC3E}">
-        <p14:creationId xmlns:p14="http://schemas.microsoft.com/office/powerpoint/2010/main" val="1983741834"/>
-      </p:ext>
-    </p:extLst>
   </p:cSld>
   <p:clrMapOvr>
     <a:masterClrMapping/>
@@ -7855,13 +7424,7 @@
       </p:grpSpPr>
       <p:sp>
         <p:nvSpPr>
-          <p:cNvPr id="2" name="Заголовок 1">
-            <a:extLst>
-              <a:ext uri="{FF2B5EF4-FFF2-40B4-BE49-F238E27FC236}">
-                <a16:creationId xmlns:a16="http://schemas.microsoft.com/office/drawing/2014/main" id="{B7CF8EEF-6BED-4735-9E55-C42079BE5C70}"/>
-              </a:ext>
-            </a:extLst>
-          </p:cNvPr>
+          <p:cNvPr id="2" name="Заголовок 1"/>
           <p:cNvSpPr>
             <a:spLocks noGrp="1"/>
           </p:cNvSpPr>
@@ -7878,19 +7441,13 @@
               <a:rPr lang="ru-RU" dirty="0"/>
               <a:t>Диаграмма перехода состояний</a:t>
             </a:r>
-            <a:endParaRPr lang="ru-BY" dirty="0"/>
-          </a:p>
-        </p:txBody>
-      </p:sp>
-      <p:sp>
-        <p:nvSpPr>
-          <p:cNvPr id="4" name="Дата 3">
-            <a:extLst>
-              <a:ext uri="{FF2B5EF4-FFF2-40B4-BE49-F238E27FC236}">
-                <a16:creationId xmlns:a16="http://schemas.microsoft.com/office/drawing/2014/main" id="{4455528B-97CB-4520-81B1-9D03F02204A9}"/>
-              </a:ext>
-            </a:extLst>
-          </p:cNvPr>
+            <a:endParaRPr lang="en-US" dirty="0"/>
+          </a:p>
+        </p:txBody>
+      </p:sp>
+      <p:sp>
+        <p:nvSpPr>
+          <p:cNvPr id="4" name="Дата 3"/>
           <p:cNvSpPr>
             <a:spLocks noGrp="1"/>
           </p:cNvSpPr>
@@ -7906,7 +7463,6 @@
             <a:pPr rtl="0"/>
             <a:fld id="{BE289488-0C23-4DC8-A9FA-240659547385}" type="datetime1">
               <a:rPr lang="ru-RU" smtClean="0"/>
-              <a:t>03.05.2022</a:t>
             </a:fld>
             <a:endParaRPr lang="en-US" dirty="0"/>
           </a:p>
@@ -7914,13 +7470,7 @@
       </p:sp>
       <p:pic>
         <p:nvPicPr>
-          <p:cNvPr id="3074" name="Picture 2">
-            <a:extLst>
-              <a:ext uri="{FF2B5EF4-FFF2-40B4-BE49-F238E27FC236}">
-                <a16:creationId xmlns:a16="http://schemas.microsoft.com/office/drawing/2014/main" id="{1E1207B0-EAFC-47F9-BC46-4DD9EADF2CF7}"/>
-              </a:ext>
-            </a:extLst>
-          </p:cNvPr>
+          <p:cNvPr id="3074" name="Picture 2"/>
           <p:cNvPicPr>
             <a:picLocks noGrp="1" noChangeAspect="1" noChangeArrowheads="1"/>
           </p:cNvPicPr>
@@ -7929,7 +7479,7 @@
           </p:nvPr>
         </p:nvPicPr>
         <p:blipFill>
-          <a:blip r:embed="rId2">
+          <a:blip r:embed="rId1">
             <a:extLst>
               <a:ext uri="{28A0092B-C50C-407E-A947-70E740481C1C}">
                 <a14:useLocalDpi xmlns:a14="http://schemas.microsoft.com/office/drawing/2010/main" val="0"/>
@@ -7962,11 +7512,6 @@
         </p:spPr>
       </p:pic>
     </p:spTree>
-    <p:extLst>
-      <p:ext uri="{BB962C8B-B14F-4D97-AF65-F5344CB8AC3E}">
-        <p14:creationId xmlns:p14="http://schemas.microsoft.com/office/powerpoint/2010/main" val="1401743494"/>
-      </p:ext>
-    </p:extLst>
   </p:cSld>
   <p:clrMapOvr>
     <a:masterClrMapping/>
@@ -7993,13 +7538,7 @@
       </p:grpSpPr>
       <p:sp>
         <p:nvSpPr>
-          <p:cNvPr id="2" name="Заголовок 1">
-            <a:extLst>
-              <a:ext uri="{FF2B5EF4-FFF2-40B4-BE49-F238E27FC236}">
-                <a16:creationId xmlns:a16="http://schemas.microsoft.com/office/drawing/2014/main" id="{680BF237-9933-44F8-9E5F-62BFFB288AD4}"/>
-              </a:ext>
-            </a:extLst>
-          </p:cNvPr>
+          <p:cNvPr id="2" name="Заголовок 1"/>
           <p:cNvSpPr>
             <a:spLocks noGrp="1"/>
           </p:cNvSpPr>
@@ -8016,19 +7555,13 @@
               <a:rPr lang="ru-RU" dirty="0"/>
               <a:t>Пример-2</a:t>
             </a:r>
-            <a:endParaRPr lang="ru-BY" dirty="0"/>
-          </a:p>
-        </p:txBody>
-      </p:sp>
-      <p:sp>
-        <p:nvSpPr>
-          <p:cNvPr id="4" name="Дата 3">
-            <a:extLst>
-              <a:ext uri="{FF2B5EF4-FFF2-40B4-BE49-F238E27FC236}">
-                <a16:creationId xmlns:a16="http://schemas.microsoft.com/office/drawing/2014/main" id="{2BDD4963-49BD-4150-A9DA-16AAA2272720}"/>
-              </a:ext>
-            </a:extLst>
-          </p:cNvPr>
+            <a:endParaRPr lang="en-US" dirty="0"/>
+          </a:p>
+        </p:txBody>
+      </p:sp>
+      <p:sp>
+        <p:nvSpPr>
+          <p:cNvPr id="4" name="Дата 3"/>
           <p:cNvSpPr>
             <a:spLocks noGrp="1"/>
           </p:cNvSpPr>
@@ -8044,7 +7577,6 @@
             <a:pPr rtl="0"/>
             <a:fld id="{BE289488-0C23-4DC8-A9FA-240659547385}" type="datetime1">
               <a:rPr lang="ru-RU" smtClean="0"/>
-              <a:t>03.05.2022</a:t>
             </a:fld>
             <a:endParaRPr lang="en-US" dirty="0"/>
           </a:p>
@@ -8052,13 +7584,7 @@
       </p:sp>
       <p:pic>
         <p:nvPicPr>
-          <p:cNvPr id="4100" name="Picture 4" descr="Диаграмма системы входа в социальную сеть">
-            <a:extLst>
-              <a:ext uri="{FF2B5EF4-FFF2-40B4-BE49-F238E27FC236}">
-                <a16:creationId xmlns:a16="http://schemas.microsoft.com/office/drawing/2014/main" id="{4DA5AE2D-83B5-45C3-BC12-6DF490EF0A5F}"/>
-              </a:ext>
-            </a:extLst>
-          </p:cNvPr>
+          <p:cNvPr id="4100" name="Picture 4" descr="Диаграмма системы входа в социальную сеть"/>
           <p:cNvPicPr>
             <a:picLocks noGrp="1" noChangeAspect="1" noChangeArrowheads="1"/>
           </p:cNvPicPr>
@@ -8067,7 +7593,7 @@
           </p:nvPr>
         </p:nvPicPr>
         <p:blipFill>
-          <a:blip r:embed="rId2">
+          <a:blip r:embed="rId1">
             <a:extLst>
               <a:ext uri="{28A0092B-C50C-407E-A947-70E740481C1C}">
                 <a14:useLocalDpi xmlns:a14="http://schemas.microsoft.com/office/drawing/2010/main" val="0"/>
@@ -8100,11 +7626,6 @@
         </p:spPr>
       </p:pic>
     </p:spTree>
-    <p:extLst>
-      <p:ext uri="{BB962C8B-B14F-4D97-AF65-F5344CB8AC3E}">
-        <p14:creationId xmlns:p14="http://schemas.microsoft.com/office/powerpoint/2010/main" val="948737809"/>
-      </p:ext>
-    </p:extLst>
   </p:cSld>
   <p:clrMapOvr>
     <a:masterClrMapping/>
@@ -8131,13 +7652,7 @@
       </p:grpSpPr>
       <p:sp>
         <p:nvSpPr>
-          <p:cNvPr id="2" name="Заголовок 1">
-            <a:extLst>
-              <a:ext uri="{FF2B5EF4-FFF2-40B4-BE49-F238E27FC236}">
-                <a16:creationId xmlns:a16="http://schemas.microsoft.com/office/drawing/2014/main" id="{E0DE8E95-477C-41AF-A24B-DC791471E5A5}"/>
-              </a:ext>
-            </a:extLst>
-          </p:cNvPr>
+          <p:cNvPr id="2" name="Заголовок 1"/>
           <p:cNvSpPr>
             <a:spLocks noGrp="1"/>
           </p:cNvSpPr>
@@ -8154,19 +7669,13 @@
               <a:rPr lang="ru-RU" dirty="0"/>
               <a:t>Диаграмма пользовательских ролей</a:t>
             </a:r>
-            <a:endParaRPr lang="ru-BY" dirty="0"/>
-          </a:p>
-        </p:txBody>
-      </p:sp>
-      <p:sp>
-        <p:nvSpPr>
-          <p:cNvPr id="3" name="Объект 2">
-            <a:extLst>
-              <a:ext uri="{FF2B5EF4-FFF2-40B4-BE49-F238E27FC236}">
-                <a16:creationId xmlns:a16="http://schemas.microsoft.com/office/drawing/2014/main" id="{DFFD1CE0-1BF1-4078-9833-0CEF6DF956C8}"/>
-              </a:ext>
-            </a:extLst>
-          </p:cNvPr>
+            <a:endParaRPr lang="en-US" dirty="0"/>
+          </a:p>
+        </p:txBody>
+      </p:sp>
+      <p:sp>
+        <p:nvSpPr>
+          <p:cNvPr id="3" name="Объект 2"/>
           <p:cNvSpPr>
             <a:spLocks noGrp="1"/>
           </p:cNvSpPr>
@@ -8185,30 +7694,35 @@
               <a:rPr lang="ru-RU" dirty="0"/>
               <a:t>Представим себе обычный интернет-магазин. Какие там есть роли? Например:</a:t>
             </a:r>
+            <a:endParaRPr lang="ru-RU" dirty="0"/>
           </a:p>
           <a:p>
             <a:r>
               <a:rPr lang="ru-RU" dirty="0"/>
               <a:t>Администратор</a:t>
             </a:r>
+            <a:endParaRPr lang="ru-RU" dirty="0"/>
           </a:p>
           <a:p>
             <a:r>
               <a:rPr lang="ru-RU" dirty="0"/>
               <a:t>Продавец</a:t>
             </a:r>
+            <a:endParaRPr lang="ru-RU" dirty="0"/>
           </a:p>
           <a:p>
             <a:r>
               <a:rPr lang="ru-RU" dirty="0"/>
               <a:t>Покупатель (зарегистрированный)</a:t>
             </a:r>
+            <a:endParaRPr lang="ru-RU" dirty="0"/>
           </a:p>
           <a:p>
             <a:r>
               <a:rPr lang="ru-RU" dirty="0"/>
               <a:t>Незарегистрированный пользователь</a:t>
             </a:r>
+            <a:endParaRPr lang="ru-RU" dirty="0"/>
           </a:p>
           <a:p>
             <a:r>
@@ -8219,7 +7733,7 @@
               </a:rPr>
               <a:t>У каждой роли есть свои права и доступы.</a:t>
             </a:r>
-            <a:endParaRPr lang="ru-BY" b="1" u="sng" dirty="0">
+            <a:endParaRPr lang="en-US" b="1" u="sng" dirty="0">
               <a:solidFill>
                 <a:srgbClr val="FF0000"/>
               </a:solidFill>
@@ -8229,13 +7743,7 @@
       </p:sp>
       <p:sp>
         <p:nvSpPr>
-          <p:cNvPr id="4" name="Дата 3">
-            <a:extLst>
-              <a:ext uri="{FF2B5EF4-FFF2-40B4-BE49-F238E27FC236}">
-                <a16:creationId xmlns:a16="http://schemas.microsoft.com/office/drawing/2014/main" id="{D82E26BE-11EB-4C5A-A4B7-122303B0C2D8}"/>
-              </a:ext>
-            </a:extLst>
-          </p:cNvPr>
+          <p:cNvPr id="4" name="Дата 3"/>
           <p:cNvSpPr>
             <a:spLocks noGrp="1"/>
           </p:cNvSpPr>
@@ -8251,18 +7759,12 @@
             <a:pPr rtl="0"/>
             <a:fld id="{BE289488-0C23-4DC8-A9FA-240659547385}" type="datetime1">
               <a:rPr lang="ru-RU" smtClean="0"/>
-              <a:t>03.05.2022</a:t>
             </a:fld>
             <a:endParaRPr lang="en-US" dirty="0"/>
           </a:p>
         </p:txBody>
       </p:sp>
     </p:spTree>
-    <p:extLst>
-      <p:ext uri="{BB962C8B-B14F-4D97-AF65-F5344CB8AC3E}">
-        <p14:creationId xmlns:p14="http://schemas.microsoft.com/office/powerpoint/2010/main" val="1848802100"/>
-      </p:ext>
-    </p:extLst>
   </p:cSld>
   <p:clrMapOvr>
     <a:masterClrMapping/>
@@ -8289,13 +7791,7 @@
       </p:grpSpPr>
       <p:sp>
         <p:nvSpPr>
-          <p:cNvPr id="2" name="Заголовок 1">
-            <a:extLst>
-              <a:ext uri="{FF2B5EF4-FFF2-40B4-BE49-F238E27FC236}">
-                <a16:creationId xmlns:a16="http://schemas.microsoft.com/office/drawing/2014/main" id="{5A5DA2B4-51F5-45ED-8682-6842525C9CA7}"/>
-              </a:ext>
-            </a:extLst>
-          </p:cNvPr>
+          <p:cNvPr id="2" name="Заголовок 1"/>
           <p:cNvSpPr>
             <a:spLocks noGrp="1"/>
           </p:cNvSpPr>
@@ -8312,19 +7808,13 @@
               <a:rPr lang="ru-RU" dirty="0"/>
               <a:t>Пример</a:t>
             </a:r>
-            <a:endParaRPr lang="ru-BY" dirty="0"/>
-          </a:p>
-        </p:txBody>
-      </p:sp>
-      <p:sp>
-        <p:nvSpPr>
-          <p:cNvPr id="4" name="Дата 3">
-            <a:extLst>
-              <a:ext uri="{FF2B5EF4-FFF2-40B4-BE49-F238E27FC236}">
-                <a16:creationId xmlns:a16="http://schemas.microsoft.com/office/drawing/2014/main" id="{CCF22C88-15A4-462E-9148-942E2C904338}"/>
-              </a:ext>
-            </a:extLst>
-          </p:cNvPr>
+            <a:endParaRPr lang="en-US" dirty="0"/>
+          </a:p>
+        </p:txBody>
+      </p:sp>
+      <p:sp>
+        <p:nvSpPr>
+          <p:cNvPr id="4" name="Дата 3"/>
           <p:cNvSpPr>
             <a:spLocks noGrp="1"/>
           </p:cNvSpPr>
@@ -8340,7 +7830,6 @@
             <a:pPr rtl="0"/>
             <a:fld id="{BE289488-0C23-4DC8-A9FA-240659547385}" type="datetime1">
               <a:rPr lang="ru-RU" smtClean="0"/>
-              <a:t>03.05.2022</a:t>
             </a:fld>
             <a:endParaRPr lang="en-US" dirty="0"/>
           </a:p>
@@ -8348,13 +7837,7 @@
       </p:sp>
       <p:pic>
         <p:nvPicPr>
-          <p:cNvPr id="5122" name="Picture 2" descr="Роли и действия в интернет-магазине">
-            <a:extLst>
-              <a:ext uri="{FF2B5EF4-FFF2-40B4-BE49-F238E27FC236}">
-                <a16:creationId xmlns:a16="http://schemas.microsoft.com/office/drawing/2014/main" id="{008A71AE-9726-4963-B9AC-AA9ED1FB1C25}"/>
-              </a:ext>
-            </a:extLst>
-          </p:cNvPr>
+          <p:cNvPr id="5122" name="Picture 2" descr="Роли и действия в интернет-магазине"/>
           <p:cNvPicPr>
             <a:picLocks noGrp="1" noChangeAspect="1" noChangeArrowheads="1"/>
           </p:cNvPicPr>
@@ -8363,7 +7846,7 @@
           </p:nvPr>
         </p:nvPicPr>
         <p:blipFill>
-          <a:blip r:embed="rId2">
+          <a:blip r:embed="rId1">
             <a:extLst>
               <a:ext uri="{28A0092B-C50C-407E-A947-70E740481C1C}">
                 <a14:useLocalDpi xmlns:a14="http://schemas.microsoft.com/office/drawing/2010/main" val="0"/>
@@ -8396,11 +7879,6 @@
         </p:spPr>
       </p:pic>
     </p:spTree>
-    <p:extLst>
-      <p:ext uri="{BB962C8B-B14F-4D97-AF65-F5344CB8AC3E}">
-        <p14:creationId xmlns:p14="http://schemas.microsoft.com/office/powerpoint/2010/main" val="3815898947"/>
-      </p:ext>
-    </p:extLst>
   </p:cSld>
   <p:clrMapOvr>
     <a:masterClrMapping/>
@@ -8427,13 +7905,7 @@
       </p:grpSpPr>
       <p:sp>
         <p:nvSpPr>
-          <p:cNvPr id="2" name="Заголовок 1">
-            <a:extLst>
-              <a:ext uri="{FF2B5EF4-FFF2-40B4-BE49-F238E27FC236}">
-                <a16:creationId xmlns:a16="http://schemas.microsoft.com/office/drawing/2014/main" id="{E2B0CBBB-9A1F-4DB5-8837-37A06308AAF1}"/>
-              </a:ext>
-            </a:extLst>
-          </p:cNvPr>
+          <p:cNvPr id="2" name="Заголовок 1"/>
           <p:cNvSpPr>
             <a:spLocks noGrp="1"/>
           </p:cNvSpPr>
@@ -8450,19 +7922,13 @@
               <a:rPr lang="ru-RU" dirty="0"/>
               <a:t>Техники тест-дизайна</a:t>
             </a:r>
-            <a:endParaRPr lang="ru-BY" dirty="0"/>
-          </a:p>
-        </p:txBody>
-      </p:sp>
-      <p:sp>
-        <p:nvSpPr>
-          <p:cNvPr id="3" name="Объект 2">
-            <a:extLst>
-              <a:ext uri="{FF2B5EF4-FFF2-40B4-BE49-F238E27FC236}">
-                <a16:creationId xmlns:a16="http://schemas.microsoft.com/office/drawing/2014/main" id="{0BFAB15E-B227-4E7C-AE1C-A7553291E02A}"/>
-              </a:ext>
-            </a:extLst>
-          </p:cNvPr>
+            <a:endParaRPr lang="en-US" dirty="0"/>
+          </a:p>
+        </p:txBody>
+      </p:sp>
+      <p:sp>
+        <p:nvSpPr>
+          <p:cNvPr id="3" name="Объект 2"/>
           <p:cNvSpPr>
             <a:spLocks noGrp="1"/>
           </p:cNvSpPr>
@@ -8565,19 +8031,13 @@
               </a:rPr>
               <a:t>отличает хорошего тестировщика!</a:t>
             </a:r>
-            <a:endParaRPr lang="ru-BY" dirty="0"/>
-          </a:p>
-        </p:txBody>
-      </p:sp>
-      <p:sp>
-        <p:nvSpPr>
-          <p:cNvPr id="4" name="Дата 3">
-            <a:extLst>
-              <a:ext uri="{FF2B5EF4-FFF2-40B4-BE49-F238E27FC236}">
-                <a16:creationId xmlns:a16="http://schemas.microsoft.com/office/drawing/2014/main" id="{2E9AAC23-D7BF-4353-AAC4-D13E9D40B4A8}"/>
-              </a:ext>
-            </a:extLst>
-          </p:cNvPr>
+            <a:endParaRPr lang="en-US" dirty="0"/>
+          </a:p>
+        </p:txBody>
+      </p:sp>
+      <p:sp>
+        <p:nvSpPr>
+          <p:cNvPr id="4" name="Дата 3"/>
           <p:cNvSpPr>
             <a:spLocks noGrp="1"/>
           </p:cNvSpPr>
@@ -8593,18 +8053,12 @@
             <a:pPr rtl="0"/>
             <a:fld id="{BE289488-0C23-4DC8-A9FA-240659547385}" type="datetime1">
               <a:rPr lang="ru-RU" smtClean="0"/>
-              <a:t>03.05.2022</a:t>
             </a:fld>
             <a:endParaRPr lang="en-US" dirty="0"/>
           </a:p>
         </p:txBody>
       </p:sp>
     </p:spTree>
-    <p:extLst>
-      <p:ext uri="{BB962C8B-B14F-4D97-AF65-F5344CB8AC3E}">
-        <p14:creationId xmlns:p14="http://schemas.microsoft.com/office/powerpoint/2010/main" val="956945720"/>
-      </p:ext>
-    </p:extLst>
   </p:cSld>
   <p:clrMapOvr>
     <a:masterClrMapping/>
@@ -8631,13 +8085,7 @@
       </p:grpSpPr>
       <p:sp>
         <p:nvSpPr>
-          <p:cNvPr id="2" name="Заголовок 1">
-            <a:extLst>
-              <a:ext uri="{FF2B5EF4-FFF2-40B4-BE49-F238E27FC236}">
-                <a16:creationId xmlns:a16="http://schemas.microsoft.com/office/drawing/2014/main" id="{111CE2E5-F786-4273-934F-7BCE31A30938}"/>
-              </a:ext>
-            </a:extLst>
-          </p:cNvPr>
+          <p:cNvPr id="2" name="Заголовок 1"/>
           <p:cNvSpPr>
             <a:spLocks noGrp="1"/>
           </p:cNvSpPr>
@@ -8654,19 +8102,13 @@
               <a:rPr lang="ru-RU" dirty="0"/>
               <a:t>Классы эквивалентности</a:t>
             </a:r>
-            <a:endParaRPr lang="ru-BY" dirty="0"/>
-          </a:p>
-        </p:txBody>
-      </p:sp>
-      <p:sp>
-        <p:nvSpPr>
-          <p:cNvPr id="3" name="Объект 2">
-            <a:extLst>
-              <a:ext uri="{FF2B5EF4-FFF2-40B4-BE49-F238E27FC236}">
-                <a16:creationId xmlns:a16="http://schemas.microsoft.com/office/drawing/2014/main" id="{87AA1A9F-1696-46A9-8C81-DD6100D0350A}"/>
-              </a:ext>
-            </a:extLst>
-          </p:cNvPr>
+            <a:endParaRPr lang="en-US" dirty="0"/>
+          </a:p>
+        </p:txBody>
+      </p:sp>
+      <p:sp>
+        <p:nvSpPr>
+          <p:cNvPr id="3" name="Объект 2"/>
           <p:cNvSpPr>
             <a:spLocks noGrp="1"/>
           </p:cNvSpPr>
@@ -8704,21 +8146,16 @@
               <a:rPr lang="ru-RU" dirty="0"/>
               <a:t>– это набор входных (или выходных) данных ПО, которые обрабатываются программой по одному алгоритму или приводят к одному результаты.</a:t>
             </a:r>
-          </a:p>
-          <a:p>
-            <a:endParaRPr lang="ru-BY" dirty="0"/>
-          </a:p>
-        </p:txBody>
-      </p:sp>
-      <p:sp>
-        <p:nvSpPr>
-          <p:cNvPr id="4" name="Дата 3">
-            <a:extLst>
-              <a:ext uri="{FF2B5EF4-FFF2-40B4-BE49-F238E27FC236}">
-                <a16:creationId xmlns:a16="http://schemas.microsoft.com/office/drawing/2014/main" id="{665752A7-8862-4C06-9B62-E3F66AA65B57}"/>
-              </a:ext>
-            </a:extLst>
-          </p:cNvPr>
+            <a:endParaRPr lang="ru-RU" dirty="0"/>
+          </a:p>
+          <a:p>
+            <a:endParaRPr lang="en-US" dirty="0"/>
+          </a:p>
+        </p:txBody>
+      </p:sp>
+      <p:sp>
+        <p:nvSpPr>
+          <p:cNvPr id="4" name="Дата 3"/>
           <p:cNvSpPr>
             <a:spLocks noGrp="1"/>
           </p:cNvSpPr>
@@ -8734,18 +8171,12 @@
             <a:pPr rtl="0"/>
             <a:fld id="{BE289488-0C23-4DC8-A9FA-240659547385}" type="datetime1">
               <a:rPr lang="ru-RU" smtClean="0"/>
-              <a:t>03.05.2022</a:t>
             </a:fld>
             <a:endParaRPr lang="en-US" dirty="0"/>
           </a:p>
         </p:txBody>
       </p:sp>
     </p:spTree>
-    <p:extLst>
-      <p:ext uri="{BB962C8B-B14F-4D97-AF65-F5344CB8AC3E}">
-        <p14:creationId xmlns:p14="http://schemas.microsoft.com/office/powerpoint/2010/main" val="3028048797"/>
-      </p:ext>
-    </p:extLst>
   </p:cSld>
   <p:clrMapOvr>
     <a:masterClrMapping/>
@@ -8772,13 +8203,7 @@
       </p:grpSpPr>
       <p:sp>
         <p:nvSpPr>
-          <p:cNvPr id="2" name="Заголовок 1">
-            <a:extLst>
-              <a:ext uri="{FF2B5EF4-FFF2-40B4-BE49-F238E27FC236}">
-                <a16:creationId xmlns:a16="http://schemas.microsoft.com/office/drawing/2014/main" id="{C047FA15-25CD-4BE6-B5B0-4ED999B15813}"/>
-              </a:ext>
-            </a:extLst>
-          </p:cNvPr>
+          <p:cNvPr id="2" name="Заголовок 1"/>
           <p:cNvSpPr>
             <a:spLocks noGrp="1"/>
           </p:cNvSpPr>
@@ -8795,19 +8220,13 @@
               <a:rPr lang="ru-RU" dirty="0"/>
               <a:t>Классы эквивалентности</a:t>
             </a:r>
-            <a:endParaRPr lang="ru-BY" dirty="0"/>
+            <a:endParaRPr lang="en-US" dirty="0"/>
           </a:p>
         </p:txBody>
       </p:sp>
       <p:pic>
         <p:nvPicPr>
-          <p:cNvPr id="6" name="Объект 5">
-            <a:extLst>
-              <a:ext uri="{FF2B5EF4-FFF2-40B4-BE49-F238E27FC236}">
-                <a16:creationId xmlns:a16="http://schemas.microsoft.com/office/drawing/2014/main" id="{6880A5CD-CB51-4CD5-A2D5-6C88DD475EB0}"/>
-              </a:ext>
-            </a:extLst>
-          </p:cNvPr>
+          <p:cNvPr id="6" name="Объект 5"/>
           <p:cNvPicPr>
             <a:picLocks noGrp="1" noChangeAspect="1"/>
           </p:cNvPicPr>
@@ -8816,7 +8235,7 @@
           </p:nvPr>
         </p:nvPicPr>
         <p:blipFill>
-          <a:blip r:embed="rId2">
+          <a:blip r:embed="rId1">
             <a:extLst>
               <a:ext uri="{28A0092B-C50C-407E-A947-70E740481C1C}">
                 <a14:useLocalDpi xmlns:a14="http://schemas.microsoft.com/office/drawing/2010/main" val="0"/>
@@ -8836,13 +8255,7 @@
       </p:pic>
       <p:sp>
         <p:nvSpPr>
-          <p:cNvPr id="4" name="Дата 3">
-            <a:extLst>
-              <a:ext uri="{FF2B5EF4-FFF2-40B4-BE49-F238E27FC236}">
-                <a16:creationId xmlns:a16="http://schemas.microsoft.com/office/drawing/2014/main" id="{4E06E6EC-C2FB-4051-8F82-5A02069A1504}"/>
-              </a:ext>
-            </a:extLst>
-          </p:cNvPr>
+          <p:cNvPr id="4" name="Дата 3"/>
           <p:cNvSpPr>
             <a:spLocks noGrp="1"/>
           </p:cNvSpPr>
@@ -8858,18 +8271,12 @@
             <a:pPr rtl="0"/>
             <a:fld id="{BE289488-0C23-4DC8-A9FA-240659547385}" type="datetime1">
               <a:rPr lang="ru-RU" smtClean="0"/>
-              <a:t>03.05.2022</a:t>
             </a:fld>
             <a:endParaRPr lang="en-US" dirty="0"/>
           </a:p>
         </p:txBody>
       </p:sp>
     </p:spTree>
-    <p:extLst>
-      <p:ext uri="{BB962C8B-B14F-4D97-AF65-F5344CB8AC3E}">
-        <p14:creationId xmlns:p14="http://schemas.microsoft.com/office/powerpoint/2010/main" val="846104614"/>
-      </p:ext>
-    </p:extLst>
   </p:cSld>
   <p:clrMapOvr>
     <a:masterClrMapping/>
@@ -8896,13 +8303,7 @@
       </p:grpSpPr>
       <p:sp>
         <p:nvSpPr>
-          <p:cNvPr id="2" name="Заголовок 1">
-            <a:extLst>
-              <a:ext uri="{FF2B5EF4-FFF2-40B4-BE49-F238E27FC236}">
-                <a16:creationId xmlns:a16="http://schemas.microsoft.com/office/drawing/2014/main" id="{DEF9BD06-A44A-409D-AC81-29087677BB69}"/>
-              </a:ext>
-            </a:extLst>
-          </p:cNvPr>
+          <p:cNvPr id="2" name="Заголовок 1"/>
           <p:cNvSpPr>
             <a:spLocks noGrp="1"/>
           </p:cNvSpPr>
@@ -8919,19 +8320,13 @@
               <a:rPr lang="ru-RU" dirty="0"/>
               <a:t>Уровни применения техник тест-дизайна</a:t>
             </a:r>
-            <a:endParaRPr lang="ru-BY" dirty="0"/>
-          </a:p>
-        </p:txBody>
-      </p:sp>
-      <p:sp>
-        <p:nvSpPr>
-          <p:cNvPr id="3" name="Объект 2">
-            <a:extLst>
-              <a:ext uri="{FF2B5EF4-FFF2-40B4-BE49-F238E27FC236}">
-                <a16:creationId xmlns:a16="http://schemas.microsoft.com/office/drawing/2014/main" id="{D764611D-9A50-4F95-A614-F8E91BD00785}"/>
-              </a:ext>
-            </a:extLst>
-          </p:cNvPr>
+            <a:endParaRPr lang="en-US" dirty="0"/>
+          </a:p>
+        </p:txBody>
+      </p:sp>
+      <p:sp>
+        <p:nvSpPr>
+          <p:cNvPr id="3" name="Объект 2"/>
           <p:cNvSpPr>
             <a:spLocks noGrp="1"/>
           </p:cNvSpPr>
@@ -8988,6 +8383,13 @@
               </a:rPr>
               <a:t>, кнопок и т.д.)</a:t>
             </a:r>
+            <a:endParaRPr lang="ru-RU" b="0" i="0" dirty="0">
+              <a:solidFill>
+                <a:srgbClr val="111111"/>
+              </a:solidFill>
+              <a:effectLst/>
+              <a:latin typeface="-apple-system"/>
+            </a:endParaRPr>
           </a:p>
           <a:p>
             <a:pPr algn="l">
@@ -9014,6 +8416,13 @@
               </a:rPr>
               <a:t> – проверка логики работы системы при комбинации данных в элементах системы</a:t>
             </a:r>
+            <a:endParaRPr lang="ru-RU" b="0" i="0" dirty="0">
+              <a:solidFill>
+                <a:srgbClr val="111111"/>
+              </a:solidFill>
+              <a:effectLst/>
+              <a:latin typeface="-apple-system"/>
+            </a:endParaRPr>
           </a:p>
           <a:p>
             <a:pPr algn="l">
@@ -9040,6 +8449,13 @@
               </a:rPr>
               <a:t> – проверка бизнес- процесса системы и логики работы программы.</a:t>
             </a:r>
+            <a:endParaRPr lang="ru-RU" b="0" i="0" dirty="0">
+              <a:solidFill>
+                <a:srgbClr val="111111"/>
+              </a:solidFill>
+              <a:effectLst/>
+              <a:latin typeface="-apple-system"/>
+            </a:endParaRPr>
           </a:p>
           <a:p>
             <a:pPr algn="l">
@@ -9067,21 +8483,22 @@
               </a:rPr>
               <a:t>Классы эквивалентности в большей степени относятся к 1-му уровню и применяются для проверки элементов программы. Но идеологически, данный подход можно применять и для других уровней.</a:t>
             </a:r>
-          </a:p>
-          <a:p>
-            <a:endParaRPr lang="ru-BY" dirty="0"/>
-          </a:p>
-        </p:txBody>
-      </p:sp>
-      <p:sp>
-        <p:nvSpPr>
-          <p:cNvPr id="4" name="Дата 3">
-            <a:extLst>
-              <a:ext uri="{FF2B5EF4-FFF2-40B4-BE49-F238E27FC236}">
-                <a16:creationId xmlns:a16="http://schemas.microsoft.com/office/drawing/2014/main" id="{9512B50A-1C30-48D6-AAEE-DB5AE44CB2FB}"/>
-              </a:ext>
-            </a:extLst>
-          </p:cNvPr>
+            <a:endParaRPr lang="ru-RU" b="1" i="0" dirty="0">
+              <a:solidFill>
+                <a:srgbClr val="FF0000"/>
+              </a:solidFill>
+              <a:effectLst/>
+              <a:latin typeface="-apple-system"/>
+            </a:endParaRPr>
+          </a:p>
+          <a:p>
+            <a:endParaRPr lang="en-US" dirty="0"/>
+          </a:p>
+        </p:txBody>
+      </p:sp>
+      <p:sp>
+        <p:nvSpPr>
+          <p:cNvPr id="4" name="Дата 3"/>
           <p:cNvSpPr>
             <a:spLocks noGrp="1"/>
           </p:cNvSpPr>
@@ -9097,18 +8514,12 @@
             <a:pPr rtl="0"/>
             <a:fld id="{BE289488-0C23-4DC8-A9FA-240659547385}" type="datetime1">
               <a:rPr lang="ru-RU" smtClean="0"/>
-              <a:t>03.05.2022</a:t>
             </a:fld>
             <a:endParaRPr lang="en-US" dirty="0"/>
           </a:p>
         </p:txBody>
       </p:sp>
     </p:spTree>
-    <p:extLst>
-      <p:ext uri="{BB962C8B-B14F-4D97-AF65-F5344CB8AC3E}">
-        <p14:creationId xmlns:p14="http://schemas.microsoft.com/office/powerpoint/2010/main" val="345305934"/>
-      </p:ext>
-    </p:extLst>
   </p:cSld>
   <p:clrMapOvr>
     <a:masterClrMapping/>
@@ -9135,13 +8546,7 @@
       </p:grpSpPr>
       <p:sp>
         <p:nvSpPr>
-          <p:cNvPr id="2" name="Заголовок 1">
-            <a:extLst>
-              <a:ext uri="{FF2B5EF4-FFF2-40B4-BE49-F238E27FC236}">
-                <a16:creationId xmlns:a16="http://schemas.microsoft.com/office/drawing/2014/main" id="{65B73DBF-9D06-4E13-858D-EE1FAE6F70A4}"/>
-              </a:ext>
-            </a:extLst>
-          </p:cNvPr>
+          <p:cNvPr id="2" name="Заголовок 1"/>
           <p:cNvSpPr>
             <a:spLocks noGrp="1"/>
           </p:cNvSpPr>
@@ -9158,19 +8563,13 @@
               <a:rPr lang="ru-RU" dirty="0"/>
               <a:t>Уровни (иллюстрация)</a:t>
             </a:r>
-            <a:endParaRPr lang="ru-BY" dirty="0"/>
-          </a:p>
-        </p:txBody>
-      </p:sp>
-      <p:sp>
-        <p:nvSpPr>
-          <p:cNvPr id="4" name="Дата 3">
-            <a:extLst>
-              <a:ext uri="{FF2B5EF4-FFF2-40B4-BE49-F238E27FC236}">
-                <a16:creationId xmlns:a16="http://schemas.microsoft.com/office/drawing/2014/main" id="{726E03A6-85E2-48F8-836B-1CEB9F489B84}"/>
-              </a:ext>
-            </a:extLst>
-          </p:cNvPr>
+            <a:endParaRPr lang="en-US" dirty="0"/>
+          </a:p>
+        </p:txBody>
+      </p:sp>
+      <p:sp>
+        <p:nvSpPr>
+          <p:cNvPr id="4" name="Дата 3"/>
           <p:cNvSpPr>
             <a:spLocks noGrp="1"/>
           </p:cNvSpPr>
@@ -9186,7 +8585,6 @@
             <a:pPr rtl="0"/>
             <a:fld id="{BE289488-0C23-4DC8-A9FA-240659547385}" type="datetime1">
               <a:rPr lang="ru-RU" smtClean="0"/>
-              <a:t>03.05.2022</a:t>
             </a:fld>
             <a:endParaRPr lang="en-US" dirty="0"/>
           </a:p>
@@ -9194,13 +8592,7 @@
       </p:sp>
       <p:pic>
         <p:nvPicPr>
-          <p:cNvPr id="1026" name="Picture 2" descr="image">
-            <a:extLst>
-              <a:ext uri="{FF2B5EF4-FFF2-40B4-BE49-F238E27FC236}">
-                <a16:creationId xmlns:a16="http://schemas.microsoft.com/office/drawing/2014/main" id="{30F9751C-542B-4E6A-87DA-1A2F5C4AAC13}"/>
-              </a:ext>
-            </a:extLst>
-          </p:cNvPr>
+          <p:cNvPr id="1026" name="Picture 2" descr="image"/>
           <p:cNvPicPr>
             <a:picLocks noGrp="1" noChangeAspect="1" noChangeArrowheads="1"/>
           </p:cNvPicPr>
@@ -9209,7 +8601,7 @@
           </p:nvPr>
         </p:nvPicPr>
         <p:blipFill>
-          <a:blip r:embed="rId2">
+          <a:blip r:embed="rId1">
             <a:extLst>
               <a:ext uri="{28A0092B-C50C-407E-A947-70E740481C1C}">
                 <a14:useLocalDpi xmlns:a14="http://schemas.microsoft.com/office/drawing/2010/main" val="0"/>
@@ -9242,11 +8634,6 @@
         </p:spPr>
       </p:pic>
     </p:spTree>
-    <p:extLst>
-      <p:ext uri="{BB962C8B-B14F-4D97-AF65-F5344CB8AC3E}">
-        <p14:creationId xmlns:p14="http://schemas.microsoft.com/office/powerpoint/2010/main" val="511236220"/>
-      </p:ext>
-    </p:extLst>
   </p:cSld>
   <p:clrMapOvr>
     <a:masterClrMapping/>
@@ -9273,13 +8660,7 @@
       </p:grpSpPr>
       <p:sp>
         <p:nvSpPr>
-          <p:cNvPr id="2" name="Заголовок 1">
-            <a:extLst>
-              <a:ext uri="{FF2B5EF4-FFF2-40B4-BE49-F238E27FC236}">
-                <a16:creationId xmlns:a16="http://schemas.microsoft.com/office/drawing/2014/main" id="{43EB25B6-65C1-4C20-9429-B76E0F083783}"/>
-              </a:ext>
-            </a:extLst>
-          </p:cNvPr>
+          <p:cNvPr id="2" name="Заголовок 1"/>
           <p:cNvSpPr>
             <a:spLocks noGrp="1"/>
           </p:cNvSpPr>
@@ -9296,19 +8677,13 @@
               <a:rPr lang="ru-RU" dirty="0"/>
               <a:t>Граничные значения</a:t>
             </a:r>
-            <a:endParaRPr lang="ru-BY" dirty="0"/>
-          </a:p>
-        </p:txBody>
-      </p:sp>
-      <p:sp>
-        <p:nvSpPr>
-          <p:cNvPr id="3" name="Объект 2">
-            <a:extLst>
-              <a:ext uri="{FF2B5EF4-FFF2-40B4-BE49-F238E27FC236}">
-                <a16:creationId xmlns:a16="http://schemas.microsoft.com/office/drawing/2014/main" id="{D311D46B-47DF-4732-9A29-2B66039C7C74}"/>
-              </a:ext>
-            </a:extLst>
-          </p:cNvPr>
+            <a:endParaRPr lang="en-US" dirty="0"/>
+          </a:p>
+        </p:txBody>
+      </p:sp>
+      <p:sp>
+        <p:nvSpPr>
+          <p:cNvPr id="3" name="Объект 2"/>
           <p:cNvSpPr>
             <a:spLocks noGrp="1"/>
           </p:cNvSpPr>
@@ -9395,6 +8770,13 @@
               </a:rPr>
               <a:t>. </a:t>
             </a:r>
+            <a:endParaRPr lang="ru-RU" b="0" i="0" dirty="0">
+              <a:solidFill>
+                <a:srgbClr val="111111"/>
+              </a:solidFill>
+              <a:effectLst/>
+              <a:latin typeface="-apple-system"/>
+            </a:endParaRPr>
           </a:p>
           <a:p>
             <a:pPr algn="just"/>
@@ -9437,7 +8819,7 @@
               </a:rPr>
               <a:t> часть дефектов находится тестировщиками именно на стыке значений, которые меняют условия работы программы.</a:t>
             </a:r>
-            <a:endParaRPr lang="ru-BY" b="1" dirty="0">
+            <a:endParaRPr lang="en-US" b="1" dirty="0">
               <a:solidFill>
                 <a:srgbClr val="FF0000"/>
               </a:solidFill>
@@ -9447,13 +8829,7 @@
       </p:sp>
       <p:sp>
         <p:nvSpPr>
-          <p:cNvPr id="4" name="Дата 3">
-            <a:extLst>
-              <a:ext uri="{FF2B5EF4-FFF2-40B4-BE49-F238E27FC236}">
-                <a16:creationId xmlns:a16="http://schemas.microsoft.com/office/drawing/2014/main" id="{D72E0D0D-484A-4397-A3EF-5F4B10A60126}"/>
-              </a:ext>
-            </a:extLst>
-          </p:cNvPr>
+          <p:cNvPr id="4" name="Дата 3"/>
           <p:cNvSpPr>
             <a:spLocks noGrp="1"/>
           </p:cNvSpPr>
@@ -9469,18 +8845,12 @@
             <a:pPr rtl="0"/>
             <a:fld id="{BE289488-0C23-4DC8-A9FA-240659547385}" type="datetime1">
               <a:rPr lang="ru-RU" smtClean="0"/>
-              <a:t>03.05.2022</a:t>
             </a:fld>
             <a:endParaRPr lang="en-US" dirty="0"/>
           </a:p>
         </p:txBody>
       </p:sp>
     </p:spTree>
-    <p:extLst>
-      <p:ext uri="{BB962C8B-B14F-4D97-AF65-F5344CB8AC3E}">
-        <p14:creationId xmlns:p14="http://schemas.microsoft.com/office/powerpoint/2010/main" val="2309424055"/>
-      </p:ext>
-    </p:extLst>
   </p:cSld>
   <p:clrMapOvr>
     <a:masterClrMapping/>
@@ -9507,13 +8877,7 @@
       </p:grpSpPr>
       <p:sp>
         <p:nvSpPr>
-          <p:cNvPr id="2" name="Заголовок 1">
-            <a:extLst>
-              <a:ext uri="{FF2B5EF4-FFF2-40B4-BE49-F238E27FC236}">
-                <a16:creationId xmlns:a16="http://schemas.microsoft.com/office/drawing/2014/main" id="{AE3D30E8-E4AC-4022-90EF-1156DF54857B}"/>
-              </a:ext>
-            </a:extLst>
-          </p:cNvPr>
+          <p:cNvPr id="2" name="Заголовок 1"/>
           <p:cNvSpPr>
             <a:spLocks noGrp="1"/>
           </p:cNvSpPr>
@@ -9530,19 +8894,13 @@
               <a:rPr lang="ru-RU" dirty="0"/>
               <a:t>Граничные значения</a:t>
             </a:r>
-            <a:endParaRPr lang="ru-BY" dirty="0"/>
+            <a:endParaRPr lang="en-US" dirty="0"/>
           </a:p>
         </p:txBody>
       </p:sp>
       <p:pic>
         <p:nvPicPr>
-          <p:cNvPr id="6" name="Объект 5">
-            <a:extLst>
-              <a:ext uri="{FF2B5EF4-FFF2-40B4-BE49-F238E27FC236}">
-                <a16:creationId xmlns:a16="http://schemas.microsoft.com/office/drawing/2014/main" id="{1EEC7592-7C01-4074-9558-E9345DD84BEC}"/>
-              </a:ext>
-            </a:extLst>
-          </p:cNvPr>
+          <p:cNvPr id="6" name="Объект 5"/>
           <p:cNvPicPr>
             <a:picLocks noGrp="1" noChangeAspect="1"/>
           </p:cNvPicPr>
@@ -9551,7 +8909,7 @@
           </p:nvPr>
         </p:nvPicPr>
         <p:blipFill>
-          <a:blip r:embed="rId2">
+          <a:blip r:embed="rId1">
             <a:extLst>
               <a:ext uri="{28A0092B-C50C-407E-A947-70E740481C1C}">
                 <a14:useLocalDpi xmlns:a14="http://schemas.microsoft.com/office/drawing/2010/main" val="0"/>
@@ -9571,13 +8929,7 @@
       </p:pic>
       <p:sp>
         <p:nvSpPr>
-          <p:cNvPr id="4" name="Дата 3">
-            <a:extLst>
-              <a:ext uri="{FF2B5EF4-FFF2-40B4-BE49-F238E27FC236}">
-                <a16:creationId xmlns:a16="http://schemas.microsoft.com/office/drawing/2014/main" id="{7551CB72-1D50-4DCA-B93E-8535D750A9EC}"/>
-              </a:ext>
-            </a:extLst>
-          </p:cNvPr>
+          <p:cNvPr id="4" name="Дата 3"/>
           <p:cNvSpPr>
             <a:spLocks noGrp="1"/>
           </p:cNvSpPr>
@@ -9593,18 +8945,12 @@
             <a:pPr rtl="0"/>
             <a:fld id="{BE289488-0C23-4DC8-A9FA-240659547385}" type="datetime1">
               <a:rPr lang="ru-RU" smtClean="0"/>
-              <a:t>03.05.2022</a:t>
             </a:fld>
             <a:endParaRPr lang="en-US" dirty="0"/>
           </a:p>
         </p:txBody>
       </p:sp>
     </p:spTree>
-    <p:extLst>
-      <p:ext uri="{BB962C8B-B14F-4D97-AF65-F5344CB8AC3E}">
-        <p14:creationId xmlns:p14="http://schemas.microsoft.com/office/powerpoint/2010/main" val="1059783655"/>
-      </p:ext>
-    </p:extLst>
   </p:cSld>
   <p:clrMapOvr>
     <a:masterClrMapping/>
@@ -9631,13 +8977,7 @@
       </p:grpSpPr>
       <p:sp>
         <p:nvSpPr>
-          <p:cNvPr id="2" name="Заголовок 1">
-            <a:extLst>
-              <a:ext uri="{FF2B5EF4-FFF2-40B4-BE49-F238E27FC236}">
-                <a16:creationId xmlns:a16="http://schemas.microsoft.com/office/drawing/2014/main" id="{2362DC33-BA7C-4815-B0CE-1C0B3E6E7F1E}"/>
-              </a:ext>
-            </a:extLst>
-          </p:cNvPr>
+          <p:cNvPr id="2" name="Заголовок 1"/>
           <p:cNvSpPr>
             <a:spLocks noGrp="1"/>
           </p:cNvSpPr>
@@ -9654,19 +8994,13 @@
               <a:rPr lang="ru-RU" dirty="0"/>
               <a:t>Применение</a:t>
             </a:r>
-            <a:endParaRPr lang="ru-BY" dirty="0"/>
-          </a:p>
-        </p:txBody>
-      </p:sp>
-      <p:sp>
-        <p:nvSpPr>
-          <p:cNvPr id="3" name="Объект 2">
-            <a:extLst>
-              <a:ext uri="{FF2B5EF4-FFF2-40B4-BE49-F238E27FC236}">
-                <a16:creationId xmlns:a16="http://schemas.microsoft.com/office/drawing/2014/main" id="{E3FCAA33-04B5-4BE2-A56F-8FA68111F49E}"/>
-              </a:ext>
-            </a:extLst>
-          </p:cNvPr>
+            <a:endParaRPr lang="en-US" dirty="0"/>
+          </a:p>
+        </p:txBody>
+      </p:sp>
+      <p:sp>
+        <p:nvSpPr>
+          <p:cNvPr id="3" name="Объект 2"/>
           <p:cNvSpPr>
             <a:spLocks noGrp="1"/>
           </p:cNvSpPr>
@@ -9696,19 +9030,13 @@
               <a:rPr lang="ru-RU" dirty="0"/>
               <a:t>элемента.</a:t>
             </a:r>
-            <a:endParaRPr lang="ru-BY" dirty="0"/>
-          </a:p>
-        </p:txBody>
-      </p:sp>
-      <p:sp>
-        <p:nvSpPr>
-          <p:cNvPr id="4" name="Дата 3">
-            <a:extLst>
-              <a:ext uri="{FF2B5EF4-FFF2-40B4-BE49-F238E27FC236}">
-                <a16:creationId xmlns:a16="http://schemas.microsoft.com/office/drawing/2014/main" id="{09E48DBD-42F5-4C48-95FE-3E65EDE846B8}"/>
-              </a:ext>
-            </a:extLst>
-          </p:cNvPr>
+            <a:endParaRPr lang="en-US" dirty="0"/>
+          </a:p>
+        </p:txBody>
+      </p:sp>
+      <p:sp>
+        <p:nvSpPr>
+          <p:cNvPr id="4" name="Дата 3"/>
           <p:cNvSpPr>
             <a:spLocks noGrp="1"/>
           </p:cNvSpPr>
@@ -9724,18 +9052,12 @@
             <a:pPr rtl="0"/>
             <a:fld id="{BE289488-0C23-4DC8-A9FA-240659547385}" type="datetime1">
               <a:rPr lang="ru-RU" smtClean="0"/>
-              <a:t>03.05.2022</a:t>
             </a:fld>
             <a:endParaRPr lang="en-US" dirty="0"/>
           </a:p>
         </p:txBody>
       </p:sp>
     </p:spTree>
-    <p:extLst>
-      <p:ext uri="{BB962C8B-B14F-4D97-AF65-F5344CB8AC3E}">
-        <p14:creationId xmlns:p14="http://schemas.microsoft.com/office/powerpoint/2010/main" val="471800255"/>
-      </p:ext>
-    </p:extLst>
   </p:cSld>
   <p:clrMapOvr>
     <a:masterClrMapping/>
@@ -9786,7 +9108,7 @@
     </a:clrScheme>
     <a:fontScheme name="Retrospect">
       <a:majorFont>
-        <a:latin typeface="Bookman Old Style" panose="020F0302020204030204"/>
+        <a:latin typeface="Bookman Old Style"/>
         <a:ea typeface=""/>
         <a:cs typeface=""/>
         <a:font script="Jpan" typeface="ＭＳ Ｐゴシック"/>
@@ -9821,7 +9143,7 @@
         <a:font script="Geor" typeface="Sylfaen"/>
       </a:majorFont>
       <a:minorFont>
-        <a:latin typeface="Franklin Gothic Book" panose="020F0502020204030204"/>
+        <a:latin typeface="Franklin Gothic Book"/>
         <a:ea typeface=""/>
         <a:cs typeface=""/>
         <a:font script="Jpan" typeface="ＭＳ Ｐゴシック"/>
@@ -10016,11 +9338,9 @@
       </a:bgFillStyleLst>
     </a:fmtScheme>
   </a:themeElements>
-  <a:objectDefaults/>
-  <a:extraClrSchemeLst/>
   <a:extLst>
     <a:ext uri="{05A4C25C-085E-4340-85A3-A5531E510DB2}">
-      <thm15:themeFamily xmlns:thm15="http://schemas.microsoft.com/office/thememl/2012/main" name="Office_41798995_TF56160789" id="{E9416FAF-F856-40AC-9675-C9B0760B1290}" vid="{1EEFFE07-2D5A-4CA5-A479-4D088CDD8AD4}"/>
+      <thm15:themeFamily xmlns:thm15="http://schemas.microsoft.com/office/thememl/2012/main" name="Office Theme" id="{62F939B6-93AF-4DB8-9C6B-D6C7DFDC589F}" vid="{4A3C46E8-61CC-4603-A589-7422A47A8E4A}"/>
     </a:ext>
   </a:extLst>
 </a:theme>
@@ -10069,7 +9389,7 @@
     </a:clrScheme>
     <a:fontScheme name="Office">
       <a:majorFont>
-        <a:latin typeface="Calibri Light" panose="020F0302020204030204"/>
+        <a:latin typeface="Calibri Light"/>
         <a:ea typeface=""/>
         <a:cs typeface=""/>
         <a:font script="Jpan" typeface="游ゴシック Light"/>
@@ -10104,7 +9424,7 @@
         <a:font script="Geor" typeface="Sylfaen"/>
       </a:majorFont>
       <a:minorFont>
-        <a:latin typeface="Calibri" panose="020F0502020204030204"/>
+        <a:latin typeface="Calibri"/>
         <a:ea typeface=""/>
         <a:cs typeface=""/>
         <a:font script="Jpan" typeface="游ゴシック"/>
@@ -10277,8 +9597,6 @@
       </a:bgFillStyleLst>
     </a:fmtScheme>
   </a:themeElements>
-  <a:objectDefaults/>
-  <a:extraClrSchemeLst/>
   <a:extLst>
     <a:ext uri="{05A4C25C-085E-4340-85A3-A5531E510DB2}">
       <thm15:themeFamily xmlns:thm15="http://schemas.microsoft.com/office/thememl/2012/main" name="Office Theme" id="{62F939B6-93AF-4DB8-9C6B-D6C7DFDC589F}" vid="{4A3C46E8-61CC-4603-A589-7422A47A8E4A}"/>
@@ -10330,7 +9648,7 @@
     </a:clrScheme>
     <a:fontScheme name="Office">
       <a:majorFont>
-        <a:latin typeface="Calibri Light" panose="020F0302020204030204"/>
+        <a:latin typeface="Calibri Light"/>
         <a:ea typeface=""/>
         <a:cs typeface=""/>
         <a:font script="Jpan" typeface="游ゴシック Light"/>
@@ -10365,7 +9683,7 @@
         <a:font script="Geor" typeface="Sylfaen"/>
       </a:majorFont>
       <a:minorFont>
-        <a:latin typeface="Calibri" panose="020F0502020204030204"/>
+        <a:latin typeface="Calibri"/>
         <a:ea typeface=""/>
         <a:cs typeface=""/>
         <a:font script="Jpan" typeface="游ゴシック"/>
@@ -10538,8 +9856,6 @@
       </a:bgFillStyleLst>
     </a:fmtScheme>
   </a:themeElements>
-  <a:objectDefaults/>
-  <a:extraClrSchemeLst/>
   <a:extLst>
     <a:ext uri="{05A4C25C-085E-4340-85A3-A5531E510DB2}">
       <thm15:themeFamily xmlns:thm15="http://schemas.microsoft.com/office/thememl/2012/main" name="Office Theme" id="{62F939B6-93AF-4DB8-9C6B-D6C7DFDC589F}" vid="{4A3C46E8-61CC-4603-A589-7422A47A8E4A}"/>
